--- a/Wine Slides.pptx
+++ b/Wine Slides.pptx
@@ -4,6 +4,9 @@
   <p:sldMasterIdLst>
     <p:sldMasterId id="2147483648" r:id="rId1"/>
   </p:sldMasterIdLst>
+  <p:notesMasterIdLst>
+    <p:notesMasterId r:id="rId10"/>
+  </p:notesMasterIdLst>
   <p:sldIdLst>
     <p:sldId id="256" r:id="rId2"/>
     <p:sldId id="259" r:id="rId3"/>
@@ -12,6 +15,7 @@
     <p:sldId id="265" r:id="rId6"/>
     <p:sldId id="267" r:id="rId7"/>
     <p:sldId id="264" r:id="rId8"/>
+    <p:sldId id="268" r:id="rId9"/>
   </p:sldIdLst>
   <p:sldSz cx="9144000" cy="5143500" type="screen16x9"/>
   <p:notesSz cx="6858000" cy="9144000"/>
@@ -135,6 +139,1333 @@
     <p1510:client id="{3693B0E3-1A86-7846-81C4-A9FE0F220231}" v="26" dt="2022-03-10T01:32:59.605"/>
   </p1510:revLst>
 </p1510:revInfo>
+</file>
+
+<file path=ppt/notesMasters/notesMaster1.xml><?xml version="1.0" encoding="utf-8"?>
+<p:notesMaster xmlns:a="http://schemas.openxmlformats.org/drawingml/2006/main" xmlns:r="http://schemas.openxmlformats.org/officeDocument/2006/relationships" xmlns:p="http://schemas.openxmlformats.org/presentationml/2006/main">
+  <p:cSld>
+    <p:bg>
+      <p:bgRef idx="1001">
+        <a:schemeClr val="bg1"/>
+      </p:bgRef>
+    </p:bg>
+    <p:spTree>
+      <p:nvGrpSpPr>
+        <p:cNvPr id="1" name=""/>
+        <p:cNvGrpSpPr/>
+        <p:nvPr/>
+      </p:nvGrpSpPr>
+      <p:grpSpPr>
+        <a:xfrm>
+          <a:off x="0" y="0"/>
+          <a:ext cx="0" cy="0"/>
+          <a:chOff x="0" y="0"/>
+          <a:chExt cx="0" cy="0"/>
+        </a:xfrm>
+      </p:grpSpPr>
+      <p:sp>
+        <p:nvSpPr>
+          <p:cNvPr id="2" name="Header Placeholder 1"/>
+          <p:cNvSpPr>
+            <a:spLocks noGrp="1"/>
+          </p:cNvSpPr>
+          <p:nvPr>
+            <p:ph type="hdr" sz="quarter"/>
+          </p:nvPr>
+        </p:nvSpPr>
+        <p:spPr>
+          <a:xfrm>
+            <a:off x="0" y="0"/>
+            <a:ext cx="2971800" cy="458788"/>
+          </a:xfrm>
+          <a:prstGeom prst="rect">
+            <a:avLst/>
+          </a:prstGeom>
+        </p:spPr>
+        <p:txBody>
+          <a:bodyPr vert="horz" lIns="91440" tIns="45720" rIns="91440" bIns="45720" rtlCol="0"/>
+          <a:lstStyle>
+            <a:lvl1pPr algn="l">
+              <a:defRPr sz="1200"/>
+            </a:lvl1pPr>
+          </a:lstStyle>
+          <a:p>
+            <a:endParaRPr lang="en-US"/>
+          </a:p>
+        </p:txBody>
+      </p:sp>
+      <p:sp>
+        <p:nvSpPr>
+          <p:cNvPr id="3" name="Date Placeholder 2"/>
+          <p:cNvSpPr>
+            <a:spLocks noGrp="1"/>
+          </p:cNvSpPr>
+          <p:nvPr>
+            <p:ph type="dt" idx="1"/>
+          </p:nvPr>
+        </p:nvSpPr>
+        <p:spPr>
+          <a:xfrm>
+            <a:off x="3884613" y="0"/>
+            <a:ext cx="2971800" cy="458788"/>
+          </a:xfrm>
+          <a:prstGeom prst="rect">
+            <a:avLst/>
+          </a:prstGeom>
+        </p:spPr>
+        <p:txBody>
+          <a:bodyPr vert="horz" lIns="91440" tIns="45720" rIns="91440" bIns="45720" rtlCol="0"/>
+          <a:lstStyle>
+            <a:lvl1pPr algn="r">
+              <a:defRPr sz="1200"/>
+            </a:lvl1pPr>
+          </a:lstStyle>
+          <a:p>
+            <a:fld id="{A0B17042-59B3-B345-B5AA-C01C9636DE23}" type="datetimeFigureOut">
+              <a:rPr lang="en-US" smtClean="0"/>
+              <a:t>9/8/22</a:t>
+            </a:fld>
+            <a:endParaRPr lang="en-US"/>
+          </a:p>
+        </p:txBody>
+      </p:sp>
+      <p:sp>
+        <p:nvSpPr>
+          <p:cNvPr id="4" name="Slide Image Placeholder 3"/>
+          <p:cNvSpPr>
+            <a:spLocks noGrp="1" noRot="1" noChangeAspect="1"/>
+          </p:cNvSpPr>
+          <p:nvPr>
+            <p:ph type="sldImg" idx="2"/>
+          </p:nvPr>
+        </p:nvSpPr>
+        <p:spPr>
+          <a:xfrm>
+            <a:off x="685800" y="1143000"/>
+            <a:ext cx="5486400" cy="3086100"/>
+          </a:xfrm>
+          <a:prstGeom prst="rect">
+            <a:avLst/>
+          </a:prstGeom>
+          <a:noFill/>
+          <a:ln w="12700">
+            <a:solidFill>
+              <a:prstClr val="black"/>
+            </a:solidFill>
+          </a:ln>
+        </p:spPr>
+        <p:txBody>
+          <a:bodyPr vert="horz" lIns="91440" tIns="45720" rIns="91440" bIns="45720" rtlCol="0" anchor="ctr"/>
+          <a:lstStyle/>
+          <a:p>
+            <a:endParaRPr lang="en-US"/>
+          </a:p>
+        </p:txBody>
+      </p:sp>
+      <p:sp>
+        <p:nvSpPr>
+          <p:cNvPr id="5" name="Notes Placeholder 4"/>
+          <p:cNvSpPr>
+            <a:spLocks noGrp="1"/>
+          </p:cNvSpPr>
+          <p:nvPr>
+            <p:ph type="body" sz="quarter" idx="3"/>
+          </p:nvPr>
+        </p:nvSpPr>
+        <p:spPr>
+          <a:xfrm>
+            <a:off x="685800" y="4400550"/>
+            <a:ext cx="5486400" cy="3600450"/>
+          </a:xfrm>
+          <a:prstGeom prst="rect">
+            <a:avLst/>
+          </a:prstGeom>
+        </p:spPr>
+        <p:txBody>
+          <a:bodyPr vert="horz" lIns="91440" tIns="45720" rIns="91440" bIns="45720" rtlCol="0"/>
+          <a:lstStyle/>
+          <a:p>
+            <a:pPr lvl="0"/>
+            <a:r>
+              <a:rPr lang="en-US"/>
+              <a:t>Click to edit Master text styles</a:t>
+            </a:r>
+          </a:p>
+          <a:p>
+            <a:pPr lvl="1"/>
+            <a:r>
+              <a:rPr lang="en-US"/>
+              <a:t>Second level</a:t>
+            </a:r>
+          </a:p>
+          <a:p>
+            <a:pPr lvl="2"/>
+            <a:r>
+              <a:rPr lang="en-US"/>
+              <a:t>Third level</a:t>
+            </a:r>
+          </a:p>
+          <a:p>
+            <a:pPr lvl="3"/>
+            <a:r>
+              <a:rPr lang="en-US"/>
+              <a:t>Fourth level</a:t>
+            </a:r>
+          </a:p>
+          <a:p>
+            <a:pPr lvl="4"/>
+            <a:r>
+              <a:rPr lang="en-US"/>
+              <a:t>Fifth level</a:t>
+            </a:r>
+          </a:p>
+        </p:txBody>
+      </p:sp>
+      <p:sp>
+        <p:nvSpPr>
+          <p:cNvPr id="6" name="Footer Placeholder 5"/>
+          <p:cNvSpPr>
+            <a:spLocks noGrp="1"/>
+          </p:cNvSpPr>
+          <p:nvPr>
+            <p:ph type="ftr" sz="quarter" idx="4"/>
+          </p:nvPr>
+        </p:nvSpPr>
+        <p:spPr>
+          <a:xfrm>
+            <a:off x="0" y="8685213"/>
+            <a:ext cx="2971800" cy="458787"/>
+          </a:xfrm>
+          <a:prstGeom prst="rect">
+            <a:avLst/>
+          </a:prstGeom>
+        </p:spPr>
+        <p:txBody>
+          <a:bodyPr vert="horz" lIns="91440" tIns="45720" rIns="91440" bIns="45720" rtlCol="0" anchor="b"/>
+          <a:lstStyle>
+            <a:lvl1pPr algn="l">
+              <a:defRPr sz="1200"/>
+            </a:lvl1pPr>
+          </a:lstStyle>
+          <a:p>
+            <a:endParaRPr lang="en-US"/>
+          </a:p>
+        </p:txBody>
+      </p:sp>
+      <p:sp>
+        <p:nvSpPr>
+          <p:cNvPr id="7" name="Slide Number Placeholder 6"/>
+          <p:cNvSpPr>
+            <a:spLocks noGrp="1"/>
+          </p:cNvSpPr>
+          <p:nvPr>
+            <p:ph type="sldNum" sz="quarter" idx="5"/>
+          </p:nvPr>
+        </p:nvSpPr>
+        <p:spPr>
+          <a:xfrm>
+            <a:off x="3884613" y="8685213"/>
+            <a:ext cx="2971800" cy="458787"/>
+          </a:xfrm>
+          <a:prstGeom prst="rect">
+            <a:avLst/>
+          </a:prstGeom>
+        </p:spPr>
+        <p:txBody>
+          <a:bodyPr vert="horz" lIns="91440" tIns="45720" rIns="91440" bIns="45720" rtlCol="0" anchor="b"/>
+          <a:lstStyle>
+            <a:lvl1pPr algn="r">
+              <a:defRPr sz="1200"/>
+            </a:lvl1pPr>
+          </a:lstStyle>
+          <a:p>
+            <a:fld id="{B687623A-DD4E-AF41-A538-BECC67AE75EC}" type="slidenum">
+              <a:rPr lang="en-US" smtClean="0"/>
+              <a:t>‹#›</a:t>
+            </a:fld>
+            <a:endParaRPr lang="en-US"/>
+          </a:p>
+        </p:txBody>
+      </p:sp>
+    </p:spTree>
+    <p:extLst>
+      <p:ext uri="{BB962C8B-B14F-4D97-AF65-F5344CB8AC3E}">
+        <p14:creationId xmlns:p14="http://schemas.microsoft.com/office/powerpoint/2010/main" val="1724401654"/>
+      </p:ext>
+    </p:extLst>
+  </p:cSld>
+  <p:clrMap bg1="lt1" tx1="dk1" bg2="lt2" tx2="dk2" accent1="accent1" accent2="accent2" accent3="accent3" accent4="accent4" accent5="accent5" accent6="accent6" hlink="hlink" folHlink="folHlink"/>
+  <p:notesStyle>
+    <a:lvl1pPr marL="0" algn="l" defTabSz="914400" rtl="0" eaLnBrk="1" latinLnBrk="0" hangingPunct="1">
+      <a:defRPr sz="1200" kern="1200">
+        <a:solidFill>
+          <a:schemeClr val="tx1"/>
+        </a:solidFill>
+        <a:latin typeface="+mn-lt"/>
+        <a:ea typeface="+mn-ea"/>
+        <a:cs typeface="+mn-cs"/>
+      </a:defRPr>
+    </a:lvl1pPr>
+    <a:lvl2pPr marL="457200" algn="l" defTabSz="914400" rtl="0" eaLnBrk="1" latinLnBrk="0" hangingPunct="1">
+      <a:defRPr sz="1200" kern="1200">
+        <a:solidFill>
+          <a:schemeClr val="tx1"/>
+        </a:solidFill>
+        <a:latin typeface="+mn-lt"/>
+        <a:ea typeface="+mn-ea"/>
+        <a:cs typeface="+mn-cs"/>
+      </a:defRPr>
+    </a:lvl2pPr>
+    <a:lvl3pPr marL="914400" algn="l" defTabSz="914400" rtl="0" eaLnBrk="1" latinLnBrk="0" hangingPunct="1">
+      <a:defRPr sz="1200" kern="1200">
+        <a:solidFill>
+          <a:schemeClr val="tx1"/>
+        </a:solidFill>
+        <a:latin typeface="+mn-lt"/>
+        <a:ea typeface="+mn-ea"/>
+        <a:cs typeface="+mn-cs"/>
+      </a:defRPr>
+    </a:lvl3pPr>
+    <a:lvl4pPr marL="1371600" algn="l" defTabSz="914400" rtl="0" eaLnBrk="1" latinLnBrk="0" hangingPunct="1">
+      <a:defRPr sz="1200" kern="1200">
+        <a:solidFill>
+          <a:schemeClr val="tx1"/>
+        </a:solidFill>
+        <a:latin typeface="+mn-lt"/>
+        <a:ea typeface="+mn-ea"/>
+        <a:cs typeface="+mn-cs"/>
+      </a:defRPr>
+    </a:lvl4pPr>
+    <a:lvl5pPr marL="1828800" algn="l" defTabSz="914400" rtl="0" eaLnBrk="1" latinLnBrk="0" hangingPunct="1">
+      <a:defRPr sz="1200" kern="1200">
+        <a:solidFill>
+          <a:schemeClr val="tx1"/>
+        </a:solidFill>
+        <a:latin typeface="+mn-lt"/>
+        <a:ea typeface="+mn-ea"/>
+        <a:cs typeface="+mn-cs"/>
+      </a:defRPr>
+    </a:lvl5pPr>
+    <a:lvl6pPr marL="2286000" algn="l" defTabSz="914400" rtl="0" eaLnBrk="1" latinLnBrk="0" hangingPunct="1">
+      <a:defRPr sz="1200" kern="1200">
+        <a:solidFill>
+          <a:schemeClr val="tx1"/>
+        </a:solidFill>
+        <a:latin typeface="+mn-lt"/>
+        <a:ea typeface="+mn-ea"/>
+        <a:cs typeface="+mn-cs"/>
+      </a:defRPr>
+    </a:lvl6pPr>
+    <a:lvl7pPr marL="2743200" algn="l" defTabSz="914400" rtl="0" eaLnBrk="1" latinLnBrk="0" hangingPunct="1">
+      <a:defRPr sz="1200" kern="1200">
+        <a:solidFill>
+          <a:schemeClr val="tx1"/>
+        </a:solidFill>
+        <a:latin typeface="+mn-lt"/>
+        <a:ea typeface="+mn-ea"/>
+        <a:cs typeface="+mn-cs"/>
+      </a:defRPr>
+    </a:lvl7pPr>
+    <a:lvl8pPr marL="3200400" algn="l" defTabSz="914400" rtl="0" eaLnBrk="1" latinLnBrk="0" hangingPunct="1">
+      <a:defRPr sz="1200" kern="1200">
+        <a:solidFill>
+          <a:schemeClr val="tx1"/>
+        </a:solidFill>
+        <a:latin typeface="+mn-lt"/>
+        <a:ea typeface="+mn-ea"/>
+        <a:cs typeface="+mn-cs"/>
+      </a:defRPr>
+    </a:lvl8pPr>
+    <a:lvl9pPr marL="3657600" algn="l" defTabSz="914400" rtl="0" eaLnBrk="1" latinLnBrk="0" hangingPunct="1">
+      <a:defRPr sz="1200" kern="1200">
+        <a:solidFill>
+          <a:schemeClr val="tx1"/>
+        </a:solidFill>
+        <a:latin typeface="+mn-lt"/>
+        <a:ea typeface="+mn-ea"/>
+        <a:cs typeface="+mn-cs"/>
+      </a:defRPr>
+    </a:lvl9pPr>
+  </p:notesStyle>
+</p:notesMaster>
+</file>
+
+<file path=ppt/notesSlides/notesSlide1.xml><?xml version="1.0" encoding="utf-8"?>
+<p:notes xmlns:a="http://schemas.openxmlformats.org/drawingml/2006/main" xmlns:r="http://schemas.openxmlformats.org/officeDocument/2006/relationships" xmlns:p="http://schemas.openxmlformats.org/presentationml/2006/main">
+  <p:cSld>
+    <p:spTree>
+      <p:nvGrpSpPr>
+        <p:cNvPr id="1" name=""/>
+        <p:cNvGrpSpPr/>
+        <p:nvPr/>
+      </p:nvGrpSpPr>
+      <p:grpSpPr>
+        <a:xfrm>
+          <a:off x="0" y="0"/>
+          <a:ext cx="0" cy="0"/>
+          <a:chOff x="0" y="0"/>
+          <a:chExt cx="0" cy="0"/>
+        </a:xfrm>
+      </p:grpSpPr>
+      <p:sp>
+        <p:nvSpPr>
+          <p:cNvPr id="2" name="Slide Image Placeholder 1"/>
+          <p:cNvSpPr>
+            <a:spLocks noGrp="1" noRot="1" noChangeAspect="1"/>
+          </p:cNvSpPr>
+          <p:nvPr>
+            <p:ph type="sldImg"/>
+          </p:nvPr>
+        </p:nvSpPr>
+        <p:spPr/>
+      </p:sp>
+      <p:sp>
+        <p:nvSpPr>
+          <p:cNvPr id="3" name="Notes Placeholder 2"/>
+          <p:cNvSpPr>
+            <a:spLocks noGrp="1"/>
+          </p:cNvSpPr>
+          <p:nvPr>
+            <p:ph type="body" idx="1"/>
+          </p:nvPr>
+        </p:nvSpPr>
+        <p:spPr/>
+        <p:txBody>
+          <a:bodyPr/>
+          <a:lstStyle/>
+          <a:p>
+            <a:endParaRPr lang="en-US" dirty="0"/>
+          </a:p>
+        </p:txBody>
+      </p:sp>
+      <p:sp>
+        <p:nvSpPr>
+          <p:cNvPr id="4" name="Slide Number Placeholder 3"/>
+          <p:cNvSpPr>
+            <a:spLocks noGrp="1"/>
+          </p:cNvSpPr>
+          <p:nvPr>
+            <p:ph type="sldNum" sz="quarter" idx="5"/>
+          </p:nvPr>
+        </p:nvSpPr>
+        <p:spPr/>
+        <p:txBody>
+          <a:bodyPr/>
+          <a:lstStyle/>
+          <a:p>
+            <a:fld id="{B687623A-DD4E-AF41-A538-BECC67AE75EC}" type="slidenum">
+              <a:rPr lang="en-US" smtClean="0"/>
+              <a:t>1</a:t>
+            </a:fld>
+            <a:endParaRPr lang="en-US"/>
+          </a:p>
+        </p:txBody>
+      </p:sp>
+    </p:spTree>
+    <p:extLst>
+      <p:ext uri="{BB962C8B-B14F-4D97-AF65-F5344CB8AC3E}">
+        <p14:creationId xmlns:p14="http://schemas.microsoft.com/office/powerpoint/2010/main" val="3406121737"/>
+      </p:ext>
+    </p:extLst>
+  </p:cSld>
+  <p:clrMapOvr>
+    <a:masterClrMapping/>
+  </p:clrMapOvr>
+</p:notes>
+</file>
+
+<file path=ppt/notesSlides/notesSlide2.xml><?xml version="1.0" encoding="utf-8"?>
+<p:notes xmlns:a="http://schemas.openxmlformats.org/drawingml/2006/main" xmlns:r="http://schemas.openxmlformats.org/officeDocument/2006/relationships" xmlns:p="http://schemas.openxmlformats.org/presentationml/2006/main">
+  <p:cSld>
+    <p:spTree>
+      <p:nvGrpSpPr>
+        <p:cNvPr id="1" name=""/>
+        <p:cNvGrpSpPr/>
+        <p:nvPr/>
+      </p:nvGrpSpPr>
+      <p:grpSpPr>
+        <a:xfrm>
+          <a:off x="0" y="0"/>
+          <a:ext cx="0" cy="0"/>
+          <a:chOff x="0" y="0"/>
+          <a:chExt cx="0" cy="0"/>
+        </a:xfrm>
+      </p:grpSpPr>
+      <p:sp>
+        <p:nvSpPr>
+          <p:cNvPr id="2" name="Slide Image Placeholder 1"/>
+          <p:cNvSpPr>
+            <a:spLocks noGrp="1" noRot="1" noChangeAspect="1"/>
+          </p:cNvSpPr>
+          <p:nvPr>
+            <p:ph type="sldImg"/>
+          </p:nvPr>
+        </p:nvSpPr>
+        <p:spPr/>
+      </p:sp>
+      <p:sp>
+        <p:nvSpPr>
+          <p:cNvPr id="3" name="Notes Placeholder 2"/>
+          <p:cNvSpPr>
+            <a:spLocks noGrp="1"/>
+          </p:cNvSpPr>
+          <p:nvPr>
+            <p:ph type="body" idx="1"/>
+          </p:nvPr>
+        </p:nvSpPr>
+        <p:spPr/>
+        <p:txBody>
+          <a:bodyPr/>
+          <a:lstStyle/>
+          <a:p>
+            <a:r>
+              <a:rPr lang="en-US" dirty="0"/>
+              <a:t>For this assignment, the client is a global wine supplier looking for a way to expand their catalogue by rating potential new wines. </a:t>
+            </a:r>
+          </a:p>
+          <a:p>
+            <a:endParaRPr lang="en-US" dirty="0"/>
+          </a:p>
+          <a:p>
+            <a:r>
+              <a:rPr lang="en-US" dirty="0"/>
+              <a:t>What we can do for them. Build a machine learning model based on their current inventory and customer reviews to accurately predict new wines. This will allow our client to swiftly determine what wines they should import. </a:t>
+            </a:r>
+          </a:p>
+        </p:txBody>
+      </p:sp>
+      <p:sp>
+        <p:nvSpPr>
+          <p:cNvPr id="4" name="Slide Number Placeholder 3"/>
+          <p:cNvSpPr>
+            <a:spLocks noGrp="1"/>
+          </p:cNvSpPr>
+          <p:nvPr>
+            <p:ph type="sldNum" sz="quarter" idx="5"/>
+          </p:nvPr>
+        </p:nvSpPr>
+        <p:spPr/>
+        <p:txBody>
+          <a:bodyPr/>
+          <a:lstStyle/>
+          <a:p>
+            <a:fld id="{B687623A-DD4E-AF41-A538-BECC67AE75EC}" type="slidenum">
+              <a:rPr lang="en-US" smtClean="0"/>
+              <a:t>2</a:t>
+            </a:fld>
+            <a:endParaRPr lang="en-US"/>
+          </a:p>
+        </p:txBody>
+      </p:sp>
+    </p:spTree>
+    <p:extLst>
+      <p:ext uri="{BB962C8B-B14F-4D97-AF65-F5344CB8AC3E}">
+        <p14:creationId xmlns:p14="http://schemas.microsoft.com/office/powerpoint/2010/main" val="4164920699"/>
+      </p:ext>
+    </p:extLst>
+  </p:cSld>
+  <p:clrMapOvr>
+    <a:masterClrMapping/>
+  </p:clrMapOvr>
+</p:notes>
+</file>
+
+<file path=ppt/notesSlides/notesSlide3.xml><?xml version="1.0" encoding="utf-8"?>
+<p:notes xmlns:a="http://schemas.openxmlformats.org/drawingml/2006/main" xmlns:r="http://schemas.openxmlformats.org/officeDocument/2006/relationships" xmlns:p="http://schemas.openxmlformats.org/presentationml/2006/main">
+  <p:cSld>
+    <p:spTree>
+      <p:nvGrpSpPr>
+        <p:cNvPr id="1" name=""/>
+        <p:cNvGrpSpPr/>
+        <p:nvPr/>
+      </p:nvGrpSpPr>
+      <p:grpSpPr>
+        <a:xfrm>
+          <a:off x="0" y="0"/>
+          <a:ext cx="0" cy="0"/>
+          <a:chOff x="0" y="0"/>
+          <a:chExt cx="0" cy="0"/>
+        </a:xfrm>
+      </p:grpSpPr>
+      <p:sp>
+        <p:nvSpPr>
+          <p:cNvPr id="2" name="Slide Image Placeholder 1"/>
+          <p:cNvSpPr>
+            <a:spLocks noGrp="1" noRot="1" noChangeAspect="1"/>
+          </p:cNvSpPr>
+          <p:nvPr>
+            <p:ph type="sldImg"/>
+          </p:nvPr>
+        </p:nvSpPr>
+        <p:spPr/>
+      </p:sp>
+      <p:sp>
+        <p:nvSpPr>
+          <p:cNvPr id="3" name="Notes Placeholder 2"/>
+          <p:cNvSpPr>
+            <a:spLocks noGrp="1"/>
+          </p:cNvSpPr>
+          <p:nvPr>
+            <p:ph type="body" idx="1"/>
+          </p:nvPr>
+        </p:nvSpPr>
+        <p:spPr/>
+        <p:txBody>
+          <a:bodyPr/>
+          <a:lstStyle/>
+          <a:p>
+            <a:r>
+              <a:rPr lang="en-US" dirty="0"/>
+              <a:t>Quick breakdown of the data dictionary.</a:t>
+            </a:r>
+          </a:p>
+          <a:p>
+            <a:endParaRPr lang="en-US" dirty="0"/>
+          </a:p>
+          <a:p>
+            <a:r>
+              <a:rPr lang="en-US" dirty="0"/>
+              <a:t>Country region and vineyard gives you the geographic location and the vineyard it’s at. </a:t>
+            </a:r>
+          </a:p>
+          <a:p>
+            <a:endParaRPr lang="en-US" dirty="0"/>
+          </a:p>
+          <a:p>
+            <a:r>
+              <a:rPr lang="en-US" dirty="0"/>
+              <a:t>Price. Ratings, unsure on how low they went. I’m assuming 1-5 but all the ratings recorded were 4.2 – 4.9 </a:t>
+            </a:r>
+          </a:p>
+          <a:p>
+            <a:endParaRPr lang="en-US" dirty="0"/>
+          </a:p>
+          <a:p>
+            <a:r>
+              <a:rPr lang="en-US" dirty="0"/>
+              <a:t>Body  on a scale of 1-5 and acidity was on a scale of 1-3. Body determines the weight or depth of the wine and acidity determine the tartness of the wine. </a:t>
+            </a:r>
+          </a:p>
+          <a:p>
+            <a:endParaRPr lang="en-US" dirty="0"/>
+          </a:p>
+          <a:p>
+            <a:r>
+              <a:rPr lang="en-US" dirty="0"/>
+              <a:t>Wine type and wine names are sometimes one in the same. Type of wine like a chardonnay is made from chardonnay grapes. Wine names can be created by named by the winery or it can be the grapes themselves. like a trader joes </a:t>
+            </a:r>
+            <a:r>
+              <a:rPr lang="en-US" dirty="0" err="1"/>
+              <a:t>charles</a:t>
+            </a:r>
+            <a:r>
+              <a:rPr lang="en-US" dirty="0"/>
+              <a:t> </a:t>
+            </a:r>
+            <a:r>
+              <a:rPr lang="en-US" dirty="0" err="1"/>
+              <a:t>shaw</a:t>
+            </a:r>
+            <a:r>
+              <a:rPr lang="en-US" dirty="0"/>
+              <a:t> merlot. </a:t>
+            </a:r>
+          </a:p>
+          <a:p>
+            <a:endParaRPr lang="en-US" dirty="0"/>
+          </a:p>
+          <a:p>
+            <a:r>
+              <a:rPr lang="en-US" dirty="0"/>
+              <a:t>Lastly, and something I think is very important when it comes to wine. Vintage, which is also known as year. This is the year in which the grapes are harvested. Sometimes you will find wines that will have an NV label on them which stands for non vintage. This means that the wines are usually a blend of multiple years and do not have a particular harvest year. </a:t>
+            </a:r>
+          </a:p>
+        </p:txBody>
+      </p:sp>
+      <p:sp>
+        <p:nvSpPr>
+          <p:cNvPr id="4" name="Slide Number Placeholder 3"/>
+          <p:cNvSpPr>
+            <a:spLocks noGrp="1"/>
+          </p:cNvSpPr>
+          <p:nvPr>
+            <p:ph type="sldNum" sz="quarter" idx="5"/>
+          </p:nvPr>
+        </p:nvSpPr>
+        <p:spPr/>
+        <p:txBody>
+          <a:bodyPr/>
+          <a:lstStyle/>
+          <a:p>
+            <a:fld id="{B687623A-DD4E-AF41-A538-BECC67AE75EC}" type="slidenum">
+              <a:rPr lang="en-US" smtClean="0"/>
+              <a:t>3</a:t>
+            </a:fld>
+            <a:endParaRPr lang="en-US"/>
+          </a:p>
+        </p:txBody>
+      </p:sp>
+    </p:spTree>
+    <p:extLst>
+      <p:ext uri="{BB962C8B-B14F-4D97-AF65-F5344CB8AC3E}">
+        <p14:creationId xmlns:p14="http://schemas.microsoft.com/office/powerpoint/2010/main" val="1084629746"/>
+      </p:ext>
+    </p:extLst>
+  </p:cSld>
+  <p:clrMapOvr>
+    <a:masterClrMapping/>
+  </p:clrMapOvr>
+</p:notes>
+</file>
+
+<file path=ppt/notesSlides/notesSlide4.xml><?xml version="1.0" encoding="utf-8"?>
+<p:notes xmlns:a="http://schemas.openxmlformats.org/drawingml/2006/main" xmlns:r="http://schemas.openxmlformats.org/officeDocument/2006/relationships" xmlns:p="http://schemas.openxmlformats.org/presentationml/2006/main">
+  <p:cSld>
+    <p:spTree>
+      <p:nvGrpSpPr>
+        <p:cNvPr id="1" name=""/>
+        <p:cNvGrpSpPr/>
+        <p:nvPr/>
+      </p:nvGrpSpPr>
+      <p:grpSpPr>
+        <a:xfrm>
+          <a:off x="0" y="0"/>
+          <a:ext cx="0" cy="0"/>
+          <a:chOff x="0" y="0"/>
+          <a:chExt cx="0" cy="0"/>
+        </a:xfrm>
+      </p:grpSpPr>
+      <p:sp>
+        <p:nvSpPr>
+          <p:cNvPr id="2" name="Slide Image Placeholder 1"/>
+          <p:cNvSpPr>
+            <a:spLocks noGrp="1" noRot="1" noChangeAspect="1"/>
+          </p:cNvSpPr>
+          <p:nvPr>
+            <p:ph type="sldImg"/>
+          </p:nvPr>
+        </p:nvSpPr>
+        <p:spPr/>
+      </p:sp>
+      <p:sp>
+        <p:nvSpPr>
+          <p:cNvPr id="3" name="Notes Placeholder 2"/>
+          <p:cNvSpPr>
+            <a:spLocks noGrp="1"/>
+          </p:cNvSpPr>
+          <p:nvPr>
+            <p:ph type="body" idx="1"/>
+          </p:nvPr>
+        </p:nvSpPr>
+        <p:spPr/>
+        <p:txBody>
+          <a:bodyPr/>
+          <a:lstStyle/>
+          <a:p>
+            <a:r>
+              <a:rPr lang="en-US" dirty="0"/>
+              <a:t>This next part is important for both data science and wine. I want to talk about your unconscious bias. </a:t>
+            </a:r>
+          </a:p>
+          <a:p>
+            <a:endParaRPr lang="en-US" dirty="0"/>
+          </a:p>
+          <a:p>
+            <a:r>
+              <a:rPr lang="en-US" dirty="0"/>
+              <a:t>CLICK! </a:t>
+            </a:r>
+          </a:p>
+          <a:p>
+            <a:endParaRPr lang="en-US" dirty="0"/>
+          </a:p>
+          <a:p>
+            <a:pPr marL="0" marR="0" lvl="0" indent="0" algn="l" defTabSz="914400" rtl="0" eaLnBrk="1" fontAlgn="auto" latinLnBrk="0" hangingPunct="1">
+              <a:lnSpc>
+                <a:spcPct val="100000"/>
+              </a:lnSpc>
+              <a:spcBef>
+                <a:spcPts val="0"/>
+              </a:spcBef>
+              <a:spcAft>
+                <a:spcPts val="0"/>
+              </a:spcAft>
+              <a:buClrTx/>
+              <a:buSzTx/>
+              <a:buFontTx/>
+              <a:buNone/>
+              <a:tabLst/>
+              <a:defRPr/>
+            </a:pPr>
+            <a:r>
+              <a:rPr lang="en-US" dirty="0"/>
+              <a:t>You might say, but Darlene I don't have any biases when it comes to wine. Are you sure?</a:t>
+            </a:r>
+          </a:p>
+          <a:p>
+            <a:pPr marL="0" marR="0" lvl="0" indent="0" algn="l" defTabSz="914400" rtl="0" eaLnBrk="1" fontAlgn="auto" latinLnBrk="0" hangingPunct="1">
+              <a:lnSpc>
+                <a:spcPct val="100000"/>
+              </a:lnSpc>
+              <a:spcBef>
+                <a:spcPts val="0"/>
+              </a:spcBef>
+              <a:spcAft>
+                <a:spcPts val="0"/>
+              </a:spcAft>
+              <a:buClrTx/>
+              <a:buSzTx/>
+              <a:buFontTx/>
+              <a:buNone/>
+              <a:tabLst/>
+              <a:defRPr/>
+            </a:pPr>
+            <a:endParaRPr lang="en-US" dirty="0"/>
+          </a:p>
+          <a:p>
+            <a:pPr marL="0" marR="0" lvl="0" indent="0" algn="l" defTabSz="914400" rtl="0" eaLnBrk="1" fontAlgn="auto" latinLnBrk="0" hangingPunct="1">
+              <a:lnSpc>
+                <a:spcPct val="100000"/>
+              </a:lnSpc>
+              <a:spcBef>
+                <a:spcPts val="0"/>
+              </a:spcBef>
+              <a:spcAft>
+                <a:spcPts val="0"/>
+              </a:spcAft>
+              <a:buClrTx/>
+              <a:buSzTx/>
+              <a:buFontTx/>
+              <a:buNone/>
+              <a:tabLst/>
+              <a:defRPr/>
+            </a:pPr>
+            <a:r>
+              <a:rPr lang="en-US" dirty="0"/>
+              <a:t>Click</a:t>
+            </a:r>
+          </a:p>
+          <a:p>
+            <a:endParaRPr lang="en-US" dirty="0"/>
+          </a:p>
+          <a:p>
+            <a:r>
+              <a:rPr lang="en-US" dirty="0"/>
+              <a:t>Does more expensive really mean more better?</a:t>
+            </a:r>
+          </a:p>
+          <a:p>
+            <a:endParaRPr lang="en-US" dirty="0"/>
+          </a:p>
+          <a:p>
+            <a:r>
+              <a:rPr lang="en-US" dirty="0"/>
+              <a:t>CLICK!</a:t>
+            </a:r>
+          </a:p>
+          <a:p>
+            <a:endParaRPr lang="en-US" dirty="0"/>
+          </a:p>
+          <a:p>
+            <a:r>
+              <a:rPr lang="en-US" dirty="0"/>
+              <a:t>Does an older vintage equal more expensive wine?</a:t>
+            </a:r>
+          </a:p>
+          <a:p>
+            <a:endParaRPr lang="en-US" dirty="0"/>
+          </a:p>
+          <a:p>
+            <a:r>
+              <a:rPr lang="en-US" dirty="0"/>
+              <a:t>CLICK</a:t>
+            </a:r>
+          </a:p>
+          <a:p>
+            <a:endParaRPr lang="en-US" dirty="0"/>
+          </a:p>
+          <a:p>
+            <a:r>
+              <a:rPr lang="en-US" dirty="0"/>
+              <a:t>and lastly does expensive wine = higher rated wines?</a:t>
+            </a:r>
+          </a:p>
+          <a:p>
+            <a:endParaRPr lang="en-US" dirty="0"/>
+          </a:p>
+          <a:p>
+            <a:r>
+              <a:rPr lang="en-US" dirty="0"/>
+              <a:t>Click</a:t>
+            </a:r>
+          </a:p>
+          <a:p>
+            <a:endParaRPr lang="en-US" dirty="0"/>
+          </a:p>
+        </p:txBody>
+      </p:sp>
+      <p:sp>
+        <p:nvSpPr>
+          <p:cNvPr id="4" name="Slide Number Placeholder 3"/>
+          <p:cNvSpPr>
+            <a:spLocks noGrp="1"/>
+          </p:cNvSpPr>
+          <p:nvPr>
+            <p:ph type="sldNum" sz="quarter" idx="5"/>
+          </p:nvPr>
+        </p:nvSpPr>
+        <p:spPr/>
+        <p:txBody>
+          <a:bodyPr/>
+          <a:lstStyle/>
+          <a:p>
+            <a:fld id="{B687623A-DD4E-AF41-A538-BECC67AE75EC}" type="slidenum">
+              <a:rPr lang="en-US" smtClean="0"/>
+              <a:t>4</a:t>
+            </a:fld>
+            <a:endParaRPr lang="en-US"/>
+          </a:p>
+        </p:txBody>
+      </p:sp>
+    </p:spTree>
+    <p:extLst>
+      <p:ext uri="{BB962C8B-B14F-4D97-AF65-F5344CB8AC3E}">
+        <p14:creationId xmlns:p14="http://schemas.microsoft.com/office/powerpoint/2010/main" val="2012503924"/>
+      </p:ext>
+    </p:extLst>
+  </p:cSld>
+  <p:clrMapOvr>
+    <a:masterClrMapping/>
+  </p:clrMapOvr>
+</p:notes>
+</file>
+
+<file path=ppt/notesSlides/notesSlide5.xml><?xml version="1.0" encoding="utf-8"?>
+<p:notes xmlns:a="http://schemas.openxmlformats.org/drawingml/2006/main" xmlns:r="http://schemas.openxmlformats.org/officeDocument/2006/relationships" xmlns:p="http://schemas.openxmlformats.org/presentationml/2006/main">
+  <p:cSld>
+    <p:spTree>
+      <p:nvGrpSpPr>
+        <p:cNvPr id="1" name=""/>
+        <p:cNvGrpSpPr/>
+        <p:nvPr/>
+      </p:nvGrpSpPr>
+      <p:grpSpPr>
+        <a:xfrm>
+          <a:off x="0" y="0"/>
+          <a:ext cx="0" cy="0"/>
+          <a:chOff x="0" y="0"/>
+          <a:chExt cx="0" cy="0"/>
+        </a:xfrm>
+      </p:grpSpPr>
+      <p:sp>
+        <p:nvSpPr>
+          <p:cNvPr id="2" name="Slide Image Placeholder 1"/>
+          <p:cNvSpPr>
+            <a:spLocks noGrp="1" noRot="1" noChangeAspect="1"/>
+          </p:cNvSpPr>
+          <p:nvPr>
+            <p:ph type="sldImg"/>
+          </p:nvPr>
+        </p:nvSpPr>
+        <p:spPr/>
+      </p:sp>
+      <p:sp>
+        <p:nvSpPr>
+          <p:cNvPr id="3" name="Notes Placeholder 2"/>
+          <p:cNvSpPr>
+            <a:spLocks noGrp="1"/>
+          </p:cNvSpPr>
+          <p:nvPr>
+            <p:ph type="body" idx="1"/>
+          </p:nvPr>
+        </p:nvSpPr>
+        <p:spPr/>
+        <p:txBody>
+          <a:bodyPr/>
+          <a:lstStyle/>
+          <a:p>
+            <a:r>
+              <a:rPr lang="en-US" dirty="0"/>
+              <a:t>stuck</a:t>
+            </a:r>
+          </a:p>
+          <a:p>
+            <a:endParaRPr lang="en-US" dirty="0"/>
+          </a:p>
+          <a:p>
+            <a:r>
+              <a:rPr lang="en-US" dirty="0"/>
+              <a:t>upward trend celling on pricing and drops at 4.7</a:t>
+            </a:r>
+          </a:p>
+          <a:p>
+            <a:endParaRPr lang="en-US" dirty="0"/>
+          </a:p>
+          <a:p>
+            <a:r>
+              <a:rPr lang="en-US" dirty="0"/>
+              <a:t>our </a:t>
+            </a:r>
+            <a:r>
+              <a:rPr lang="en-US" dirty="0" err="1"/>
+              <a:t>higest</a:t>
+            </a:r>
+            <a:r>
+              <a:rPr lang="en-US" dirty="0"/>
+              <a:t> priced wines are only rated 4.6-4.7. </a:t>
+            </a:r>
+          </a:p>
+          <a:p>
+            <a:endParaRPr lang="en-US" dirty="0"/>
+          </a:p>
+          <a:p>
+            <a:r>
+              <a:rPr lang="en-US" dirty="0"/>
+              <a:t>our highest rated wines are priced on par with lower rated wines. This lets us know that just because the wines are rated higher does necessarily mean that its going to be priced higher</a:t>
+            </a:r>
+          </a:p>
+        </p:txBody>
+      </p:sp>
+      <p:sp>
+        <p:nvSpPr>
+          <p:cNvPr id="4" name="Slide Number Placeholder 3"/>
+          <p:cNvSpPr>
+            <a:spLocks noGrp="1"/>
+          </p:cNvSpPr>
+          <p:nvPr>
+            <p:ph type="sldNum" sz="quarter" idx="5"/>
+          </p:nvPr>
+        </p:nvSpPr>
+        <p:spPr/>
+        <p:txBody>
+          <a:bodyPr/>
+          <a:lstStyle/>
+          <a:p>
+            <a:fld id="{B687623A-DD4E-AF41-A538-BECC67AE75EC}" type="slidenum">
+              <a:rPr lang="en-US" smtClean="0"/>
+              <a:t>5</a:t>
+            </a:fld>
+            <a:endParaRPr lang="en-US"/>
+          </a:p>
+        </p:txBody>
+      </p:sp>
+    </p:spTree>
+    <p:extLst>
+      <p:ext uri="{BB962C8B-B14F-4D97-AF65-F5344CB8AC3E}">
+        <p14:creationId xmlns:p14="http://schemas.microsoft.com/office/powerpoint/2010/main" val="1545265243"/>
+      </p:ext>
+    </p:extLst>
+  </p:cSld>
+  <p:clrMapOvr>
+    <a:masterClrMapping/>
+  </p:clrMapOvr>
+</p:notes>
+</file>
+
+<file path=ppt/notesSlides/notesSlide6.xml><?xml version="1.0" encoding="utf-8"?>
+<p:notes xmlns:a="http://schemas.openxmlformats.org/drawingml/2006/main" xmlns:r="http://schemas.openxmlformats.org/officeDocument/2006/relationships" xmlns:p="http://schemas.openxmlformats.org/presentationml/2006/main">
+  <p:cSld>
+    <p:spTree>
+      <p:nvGrpSpPr>
+        <p:cNvPr id="1" name=""/>
+        <p:cNvGrpSpPr/>
+        <p:nvPr/>
+      </p:nvGrpSpPr>
+      <p:grpSpPr>
+        <a:xfrm>
+          <a:off x="0" y="0"/>
+          <a:ext cx="0" cy="0"/>
+          <a:chOff x="0" y="0"/>
+          <a:chExt cx="0" cy="0"/>
+        </a:xfrm>
+      </p:grpSpPr>
+      <p:sp>
+        <p:nvSpPr>
+          <p:cNvPr id="2" name="Slide Image Placeholder 1"/>
+          <p:cNvSpPr>
+            <a:spLocks noGrp="1" noRot="1" noChangeAspect="1"/>
+          </p:cNvSpPr>
+          <p:nvPr>
+            <p:ph type="sldImg"/>
+          </p:nvPr>
+        </p:nvSpPr>
+        <p:spPr/>
+      </p:sp>
+      <p:sp>
+        <p:nvSpPr>
+          <p:cNvPr id="3" name="Notes Placeholder 2"/>
+          <p:cNvSpPr>
+            <a:spLocks noGrp="1"/>
+          </p:cNvSpPr>
+          <p:nvPr>
+            <p:ph type="body" idx="1"/>
+          </p:nvPr>
+        </p:nvSpPr>
+        <p:spPr/>
+        <p:txBody>
+          <a:bodyPr/>
+          <a:lstStyle/>
+          <a:p>
+            <a:r>
+              <a:rPr lang="en-US" dirty="0" err="1"/>
+              <a:t>i</a:t>
+            </a:r>
+            <a:r>
+              <a:rPr lang="en-US" dirty="0"/>
+              <a:t> wanted to find all possible holes. So this graph is a distribution regions of wine that produced the </a:t>
+            </a:r>
+            <a:r>
+              <a:rPr lang="en-US" dirty="0" err="1"/>
+              <a:t>higest</a:t>
+            </a:r>
+            <a:r>
+              <a:rPr lang="en-US" dirty="0"/>
+              <a:t> rated wines. it shows us that regardless of region, they still produce wines with a variety of ratings and pricing. so that rules out that region has an effect on how wines are rated</a:t>
+            </a:r>
+          </a:p>
+        </p:txBody>
+      </p:sp>
+      <p:sp>
+        <p:nvSpPr>
+          <p:cNvPr id="4" name="Slide Number Placeholder 3"/>
+          <p:cNvSpPr>
+            <a:spLocks noGrp="1"/>
+          </p:cNvSpPr>
+          <p:nvPr>
+            <p:ph type="sldNum" sz="quarter" idx="5"/>
+          </p:nvPr>
+        </p:nvSpPr>
+        <p:spPr/>
+        <p:txBody>
+          <a:bodyPr/>
+          <a:lstStyle/>
+          <a:p>
+            <a:fld id="{B687623A-DD4E-AF41-A538-BECC67AE75EC}" type="slidenum">
+              <a:rPr lang="en-US" smtClean="0"/>
+              <a:t>6</a:t>
+            </a:fld>
+            <a:endParaRPr lang="en-US"/>
+          </a:p>
+        </p:txBody>
+      </p:sp>
+    </p:spTree>
+    <p:extLst>
+      <p:ext uri="{BB962C8B-B14F-4D97-AF65-F5344CB8AC3E}">
+        <p14:creationId xmlns:p14="http://schemas.microsoft.com/office/powerpoint/2010/main" val="472289139"/>
+      </p:ext>
+    </p:extLst>
+  </p:cSld>
+  <p:clrMapOvr>
+    <a:masterClrMapping/>
+  </p:clrMapOvr>
+</p:notes>
+</file>
+
+<file path=ppt/notesSlides/notesSlide7.xml><?xml version="1.0" encoding="utf-8"?>
+<p:notes xmlns:a="http://schemas.openxmlformats.org/drawingml/2006/main" xmlns:r="http://schemas.openxmlformats.org/officeDocument/2006/relationships" xmlns:p="http://schemas.openxmlformats.org/presentationml/2006/main">
+  <p:cSld>
+    <p:spTree>
+      <p:nvGrpSpPr>
+        <p:cNvPr id="1" name=""/>
+        <p:cNvGrpSpPr/>
+        <p:nvPr/>
+      </p:nvGrpSpPr>
+      <p:grpSpPr>
+        <a:xfrm>
+          <a:off x="0" y="0"/>
+          <a:ext cx="0" cy="0"/>
+          <a:chOff x="0" y="0"/>
+          <a:chExt cx="0" cy="0"/>
+        </a:xfrm>
+      </p:grpSpPr>
+      <p:sp>
+        <p:nvSpPr>
+          <p:cNvPr id="2" name="Slide Image Placeholder 1"/>
+          <p:cNvSpPr>
+            <a:spLocks noGrp="1" noRot="1" noChangeAspect="1"/>
+          </p:cNvSpPr>
+          <p:nvPr>
+            <p:ph type="sldImg"/>
+          </p:nvPr>
+        </p:nvSpPr>
+        <p:spPr/>
+      </p:sp>
+      <p:sp>
+        <p:nvSpPr>
+          <p:cNvPr id="3" name="Notes Placeholder 2"/>
+          <p:cNvSpPr>
+            <a:spLocks noGrp="1"/>
+          </p:cNvSpPr>
+          <p:nvPr>
+            <p:ph type="body" idx="1"/>
+          </p:nvPr>
+        </p:nvSpPr>
+        <p:spPr/>
+        <p:txBody>
+          <a:bodyPr/>
+          <a:lstStyle/>
+          <a:p>
+            <a:r>
+              <a:rPr lang="en-US" dirty="0"/>
+              <a:t>model strengths -  and how we evaluate the model. </a:t>
+            </a:r>
+          </a:p>
+          <a:p>
+            <a:endParaRPr lang="en-US" dirty="0"/>
+          </a:p>
+          <a:p>
+            <a:r>
+              <a:rPr lang="en-US" dirty="0"/>
+              <a:t>r2 score of 64%, the higher the score the better.</a:t>
+            </a:r>
+          </a:p>
+          <a:p>
+            <a:endParaRPr lang="en-US" dirty="0"/>
+          </a:p>
+          <a:p>
+            <a:r>
+              <a:rPr lang="en-US" dirty="0"/>
+              <a:t>RMSE score the lower the better and our score was 0.1. Essentially saying that if our model were to make predictions it would roughly be off by .1 which makes sense. Since our ratings are in increments of .1</a:t>
+            </a:r>
+          </a:p>
+          <a:p>
+            <a:endParaRPr lang="en-US" dirty="0"/>
+          </a:p>
+          <a:p>
+            <a:r>
+              <a:rPr lang="en-US" dirty="0"/>
+              <a:t>CLICK</a:t>
+            </a:r>
+          </a:p>
+          <a:p>
+            <a:endParaRPr lang="en-US" dirty="0"/>
+          </a:p>
+          <a:p>
+            <a:r>
+              <a:rPr lang="en-US" dirty="0"/>
+              <a:t>strengths - we can deploy the model as is and cut down the workload of the clients workers. </a:t>
+            </a:r>
+          </a:p>
+        </p:txBody>
+      </p:sp>
+      <p:sp>
+        <p:nvSpPr>
+          <p:cNvPr id="4" name="Slide Number Placeholder 3"/>
+          <p:cNvSpPr>
+            <a:spLocks noGrp="1"/>
+          </p:cNvSpPr>
+          <p:nvPr>
+            <p:ph type="sldNum" sz="quarter" idx="5"/>
+          </p:nvPr>
+        </p:nvSpPr>
+        <p:spPr/>
+        <p:txBody>
+          <a:bodyPr/>
+          <a:lstStyle/>
+          <a:p>
+            <a:fld id="{B687623A-DD4E-AF41-A538-BECC67AE75EC}" type="slidenum">
+              <a:rPr lang="en-US" smtClean="0"/>
+              <a:t>7</a:t>
+            </a:fld>
+            <a:endParaRPr lang="en-US"/>
+          </a:p>
+        </p:txBody>
+      </p:sp>
+    </p:spTree>
+    <p:extLst>
+      <p:ext uri="{BB962C8B-B14F-4D97-AF65-F5344CB8AC3E}">
+        <p14:creationId xmlns:p14="http://schemas.microsoft.com/office/powerpoint/2010/main" val="2202733422"/>
+      </p:ext>
+    </p:extLst>
+  </p:cSld>
+  <p:clrMapOvr>
+    <a:masterClrMapping/>
+  </p:clrMapOvr>
+</p:notes>
+</file>
+
+<file path=ppt/notesSlides/notesSlide8.xml><?xml version="1.0" encoding="utf-8"?>
+<p:notes xmlns:a="http://schemas.openxmlformats.org/drawingml/2006/main" xmlns:r="http://schemas.openxmlformats.org/officeDocument/2006/relationships" xmlns:p="http://schemas.openxmlformats.org/presentationml/2006/main">
+  <p:cSld>
+    <p:spTree>
+      <p:nvGrpSpPr>
+        <p:cNvPr id="1" name=""/>
+        <p:cNvGrpSpPr/>
+        <p:nvPr/>
+      </p:nvGrpSpPr>
+      <p:grpSpPr>
+        <a:xfrm>
+          <a:off x="0" y="0"/>
+          <a:ext cx="0" cy="0"/>
+          <a:chOff x="0" y="0"/>
+          <a:chExt cx="0" cy="0"/>
+        </a:xfrm>
+      </p:grpSpPr>
+      <p:sp>
+        <p:nvSpPr>
+          <p:cNvPr id="2" name="Slide Image Placeholder 1"/>
+          <p:cNvSpPr>
+            <a:spLocks noGrp="1" noRot="1" noChangeAspect="1"/>
+          </p:cNvSpPr>
+          <p:nvPr>
+            <p:ph type="sldImg"/>
+          </p:nvPr>
+        </p:nvSpPr>
+        <p:spPr/>
+      </p:sp>
+      <p:sp>
+        <p:nvSpPr>
+          <p:cNvPr id="3" name="Notes Placeholder 2"/>
+          <p:cNvSpPr>
+            <a:spLocks noGrp="1"/>
+          </p:cNvSpPr>
+          <p:nvPr>
+            <p:ph type="body" idx="1"/>
+          </p:nvPr>
+        </p:nvSpPr>
+        <p:spPr/>
+        <p:txBody>
+          <a:bodyPr/>
+          <a:lstStyle/>
+          <a:p>
+            <a:endParaRPr lang="en-US" dirty="0"/>
+          </a:p>
+        </p:txBody>
+      </p:sp>
+      <p:sp>
+        <p:nvSpPr>
+          <p:cNvPr id="4" name="Slide Number Placeholder 3"/>
+          <p:cNvSpPr>
+            <a:spLocks noGrp="1"/>
+          </p:cNvSpPr>
+          <p:nvPr>
+            <p:ph type="sldNum" sz="quarter" idx="5"/>
+          </p:nvPr>
+        </p:nvSpPr>
+        <p:spPr/>
+        <p:txBody>
+          <a:bodyPr/>
+          <a:lstStyle/>
+          <a:p>
+            <a:fld id="{B687623A-DD4E-AF41-A538-BECC67AE75EC}" type="slidenum">
+              <a:rPr lang="en-US" smtClean="0"/>
+              <a:t>8</a:t>
+            </a:fld>
+            <a:endParaRPr lang="en-US"/>
+          </a:p>
+        </p:txBody>
+      </p:sp>
+    </p:spTree>
+    <p:extLst>
+      <p:ext uri="{BB962C8B-B14F-4D97-AF65-F5344CB8AC3E}">
+        <p14:creationId xmlns:p14="http://schemas.microsoft.com/office/powerpoint/2010/main" val="3499588772"/>
+      </p:ext>
+    </p:extLst>
+  </p:cSld>
+  <p:clrMapOvr>
+    <a:masterClrMapping/>
+  </p:clrMapOvr>
+</p:notes>
 </file>
 
 <file path=ppt/slideLayouts/slideLayout1.xml><?xml version="1.0" encoding="utf-8"?>
@@ -391,7 +1722,7 @@
             <a:fld id="{482204FA-B52D-41C1-A6B5-8E87F67CA851}" type="datetimeFigureOut">
               <a:rPr lang="en-US" smtClean="0"/>
               <a:pPr/>
-              <a:t>9/5/22</a:t>
+              <a:t>9/8/22</a:t>
             </a:fld>
             <a:endParaRPr lang="en-US"/>
           </a:p>
@@ -954,7 +2285,7 @@
                   </a:schemeClr>
                 </a:solidFill>
               </a:rPr>
-              <a:t>A global wine supplier specializing in importing Spanish wines.</a:t>
+              <a:t>A global wine supplier.</a:t>
             </a:r>
           </a:p>
           <a:p>
@@ -996,7 +2327,7 @@
                   </a:schemeClr>
                 </a:solidFill>
               </a:rPr>
-              <a:t>Looking to expand their wine catalogue by being able to rate potential new wines. </a:t>
+              <a:t>Looking to expand their wine catalogue by being able to rate potential new wines. Starting with Spanish wines </a:t>
             </a:r>
           </a:p>
           <a:p>
@@ -1092,7 +2423,7 @@
           <p:nvPr/>
         </p:nvPicPr>
         <p:blipFill>
-          <a:blip r:embed="rId2">
+          <a:blip r:embed="rId3">
             <a:extLst>
               <a:ext uri="{28A0092B-C50C-407E-A947-70E740481C1C}">
                 <a14:useLocalDpi xmlns:a14="http://schemas.microsoft.com/office/drawing/2010/main" val="0"/>
@@ -1305,8 +2636,23 @@
                 </a:solidFill>
                 <a:latin typeface="Nexa Bold" pitchFamily="50" charset="0"/>
               </a:rPr>
-              <a:t>Rating</a:t>
-            </a:r>
+              <a:t>Rating </a:t>
+            </a:r>
+            <a:r>
+              <a:rPr lang="en-US" sz="1000" b="1" dirty="0">
+                <a:solidFill>
+                  <a:srgbClr val="33C39B"/>
+                </a:solidFill>
+                <a:latin typeface="Nexa Bold" pitchFamily="50" charset="0"/>
+              </a:rPr>
+              <a:t>(4.2-4.9)</a:t>
+            </a:r>
+            <a:endParaRPr lang="en-US" sz="1600" b="1" dirty="0">
+              <a:solidFill>
+                <a:srgbClr val="33C39B"/>
+              </a:solidFill>
+              <a:latin typeface="Nexa Bold" pitchFamily="50" charset="0"/>
+            </a:endParaRPr>
           </a:p>
           <a:p>
             <a:pPr algn="r"/>
@@ -1329,8 +2675,8 @@
         </p:nvSpPr>
         <p:spPr>
           <a:xfrm>
-            <a:off x="6172200" y="1885951"/>
-            <a:ext cx="2590800" cy="584775"/>
+            <a:off x="6019802" y="1885951"/>
+            <a:ext cx="2743198" cy="584775"/>
           </a:xfrm>
           <a:prstGeom prst="rect">
             <a:avLst/>
@@ -1350,18 +2696,36 @@
                 </a:solidFill>
                 <a:latin typeface="Nexa Bold" pitchFamily="50" charset="0"/>
               </a:rPr>
-              <a:t>Body &amp; Acidity </a:t>
-            </a:r>
-            <a:r>
-              <a:rPr lang="en-US" sz="1050" b="1" dirty="0">
+              <a:t>Body</a:t>
+            </a:r>
+            <a:r>
+              <a:rPr lang="en-US" sz="1000" b="1" dirty="0">
                 <a:solidFill>
                   <a:srgbClr val="33C39B"/>
                 </a:solidFill>
                 <a:latin typeface="Nexa Bold" pitchFamily="50" charset="0"/>
               </a:rPr>
-              <a:t>(scale 1-5)</a:t>
-            </a:r>
-            <a:endParaRPr lang="en-US" sz="1600" b="1" dirty="0">
+              <a:t>(scale 1-5) </a:t>
+            </a:r>
+            <a:r>
+              <a:rPr lang="en-US" sz="1600" b="1" dirty="0">
+                <a:solidFill>
+                  <a:srgbClr val="33C39B"/>
+                </a:solidFill>
+                <a:latin typeface="Nexa Bold" pitchFamily="50" charset="0"/>
+              </a:rPr>
+              <a:t>&amp; Acidity </a:t>
+            </a:r>
+            <a:r>
+              <a:rPr lang="en-US" sz="1000" b="1" dirty="0">
+                <a:solidFill>
+                  <a:srgbClr val="33C39B"/>
+                </a:solidFill>
+                <a:latin typeface="Nexa Bold" pitchFamily="50" charset="0"/>
+              </a:rPr>
+              <a:t>(scale 1-3)</a:t>
+            </a:r>
+            <a:endParaRPr lang="en-US" sz="1400" b="1" dirty="0">
               <a:solidFill>
                 <a:srgbClr val="33C39B"/>
               </a:solidFill>
@@ -1584,7 +2948,7 @@
         <p:spPr>
           <a:xfrm>
             <a:off x="381000" y="3941426"/>
-            <a:ext cx="8382000" cy="1308050"/>
+            <a:ext cx="8382000" cy="1061829"/>
           </a:xfrm>
           <a:prstGeom prst="rect">
             <a:avLst/>
@@ -1596,17 +2960,6 @@
             <a:spAutoFit/>
           </a:bodyPr>
           <a:lstStyle/>
-          <a:p>
-            <a:r>
-              <a:rPr lang="en-US" sz="1600" b="1" dirty="0">
-                <a:solidFill>
-                  <a:srgbClr val="33C39B"/>
-                </a:solidFill>
-                <a:latin typeface="Nexa Bold" pitchFamily="50" charset="0"/>
-              </a:rPr>
-              <a:t>Oh, but you do!</a:t>
-            </a:r>
-          </a:p>
           <a:p>
             <a:r>
               <a:rPr lang="en-US" sz="1100" dirty="0">
@@ -1677,7 +3030,7 @@
           <p:nvPr/>
         </p:nvPicPr>
         <p:blipFill>
-          <a:blip r:embed="rId2">
+          <a:blip r:embed="rId3">
             <a:extLst>
               <a:ext uri="{28A0092B-C50C-407E-A947-70E740481C1C}">
                 <a14:useLocalDpi xmlns:a14="http://schemas.microsoft.com/office/drawing/2010/main" val="0"/>
@@ -1777,7 +3130,7 @@
         </p:nvSpPr>
         <p:spPr>
           <a:xfrm>
-            <a:off x="2244994" y="3787537"/>
+            <a:off x="2244994" y="942544"/>
             <a:ext cx="4762009" cy="307777"/>
           </a:xfrm>
           <a:prstGeom prst="rect">
@@ -2003,7 +3356,7 @@
                             </p:stCondLst>
                             <p:childTnLst>
                               <p:par>
-                                <p:cTn id="5" presetID="35" presetClass="entr" presetSubtype="0" fill="hold" nodeType="clickEffect">
+                                <p:cTn id="5" presetID="1" presetClass="entr" presetSubtype="0" fill="hold" grpId="0" nodeType="clickEffect">
                                   <p:stCondLst>
                                     <p:cond delay="0"/>
                                   </p:stCondLst>
@@ -2011,6 +3364,51 @@
                                     <p:set>
                                       <p:cBhvr>
                                         <p:cTn id="6" dur="1" fill="hold">
+                                          <p:stCondLst>
+                                            <p:cond delay="0"/>
+                                          </p:stCondLst>
+                                        </p:cTn>
+                                        <p:tgtEl>
+                                          <p:spTgt spid="5"/>
+                                        </p:tgtEl>
+                                        <p:attrNameLst>
+                                          <p:attrName>style.visibility</p:attrName>
+                                        </p:attrNameLst>
+                                      </p:cBhvr>
+                                      <p:to>
+                                        <p:strVal val="visible"/>
+                                      </p:to>
+                                    </p:set>
+                                  </p:childTnLst>
+                                </p:cTn>
+                              </p:par>
+                            </p:childTnLst>
+                          </p:cTn>
+                        </p:par>
+                      </p:childTnLst>
+                    </p:cTn>
+                  </p:par>
+                  <p:par>
+                    <p:cTn id="7" fill="hold">
+                      <p:stCondLst>
+                        <p:cond delay="indefinite"/>
+                      </p:stCondLst>
+                      <p:childTnLst>
+                        <p:par>
+                          <p:cTn id="8" fill="hold">
+                            <p:stCondLst>
+                              <p:cond delay="0"/>
+                            </p:stCondLst>
+                            <p:childTnLst>
+                              <p:par>
+                                <p:cTn id="9" presetID="35" presetClass="entr" presetSubtype="0" fill="hold" nodeType="clickEffect">
+                                  <p:stCondLst>
+                                    <p:cond delay="0"/>
+                                  </p:stCondLst>
+                                  <p:childTnLst>
+                                    <p:set>
+                                      <p:cBhvr>
+                                        <p:cTn id="10" dur="1" fill="hold">
                                           <p:stCondLst>
                                             <p:cond delay="0"/>
                                           </p:stCondLst>
@@ -2028,7 +3426,7 @@
                                     </p:set>
                                     <p:animEffect transition="in" filter="fade">
                                       <p:cBhvr>
-                                        <p:cTn id="7" dur="1000"/>
+                                        <p:cTn id="11" dur="1000"/>
                                         <p:tgtEl>
                                           <p:spTgt spid="2"/>
                                         </p:tgtEl>
@@ -2036,7 +3434,7 @@
                                     </p:animEffect>
                                     <p:anim calcmode="lin" valueType="num">
                                       <p:cBhvr>
-                                        <p:cTn id="8" dur="1000" fill="hold"/>
+                                        <p:cTn id="12" dur="1000" fill="hold"/>
                                         <p:tgtEl>
                                           <p:spTgt spid="2"/>
                                         </p:tgtEl>
@@ -2059,7 +3457,7 @@
                                     </p:anim>
                                     <p:anim calcmode="lin" valueType="num">
                                       <p:cBhvr>
-                                        <p:cTn id="9" dur="1000" fill="hold"/>
+                                        <p:cTn id="13" dur="1000" fill="hold"/>
                                         <p:tgtEl>
                                           <p:spTgt spid="2"/>
                                         </p:tgtEl>
@@ -2082,7 +3480,7 @@
                                     </p:anim>
                                     <p:anim calcmode="lin" valueType="num">
                                       <p:cBhvr>
-                                        <p:cTn id="10" dur="1000" fill="hold"/>
+                                        <p:cTn id="14" dur="1000" fill="hold"/>
                                         <p:tgtEl>
                                           <p:spTgt spid="2"/>
                                         </p:tgtEl>
@@ -2103,51 +3501,6 @@
                                         </p:tav>
                                       </p:tavLst>
                                     </p:anim>
-                                  </p:childTnLst>
-                                </p:cTn>
-                              </p:par>
-                            </p:childTnLst>
-                          </p:cTn>
-                        </p:par>
-                      </p:childTnLst>
-                    </p:cTn>
-                  </p:par>
-                  <p:par>
-                    <p:cTn id="11" fill="hold">
-                      <p:stCondLst>
-                        <p:cond delay="indefinite"/>
-                      </p:stCondLst>
-                      <p:childTnLst>
-                        <p:par>
-                          <p:cTn id="12" fill="hold">
-                            <p:stCondLst>
-                              <p:cond delay="0"/>
-                            </p:stCondLst>
-                            <p:childTnLst>
-                              <p:par>
-                                <p:cTn id="13" presetID="1" presetClass="entr" presetSubtype="0" fill="hold" grpId="0" nodeType="clickEffect">
-                                  <p:stCondLst>
-                                    <p:cond delay="0"/>
-                                  </p:stCondLst>
-                                  <p:childTnLst>
-                                    <p:set>
-                                      <p:cBhvr>
-                                        <p:cTn id="14" dur="1" fill="hold">
-                                          <p:stCondLst>
-                                            <p:cond delay="0"/>
-                                          </p:stCondLst>
-                                        </p:cTn>
-                                        <p:tgtEl>
-                                          <p:spTgt spid="7"/>
-                                        </p:tgtEl>
-                                        <p:attrNameLst>
-                                          <p:attrName>style.visibility</p:attrName>
-                                        </p:attrNameLst>
-                                      </p:cBhvr>
-                                      <p:to>
-                                        <p:strVal val="visible"/>
-                                      </p:to>
-                                    </p:set>
                                   </p:childTnLst>
                                 </p:cTn>
                               </p:par>
@@ -2183,7 +3536,7 @@
                                           </p:stCondLst>
                                         </p:cTn>
                                         <p:tgtEl>
-                                          <p:spTgt spid="8"/>
+                                          <p:spTgt spid="7"/>
                                         </p:tgtEl>
                                         <p:attrNameLst>
                                           <p:attrName>style.visibility</p:attrName>
@@ -2228,7 +3581,7 @@
                                           </p:stCondLst>
                                         </p:cTn>
                                         <p:tgtEl>
-                                          <p:spTgt spid="5"/>
+                                          <p:spTgt spid="8"/>
                                         </p:tgtEl>
                                         <p:attrNameLst>
                                           <p:attrName>style.visibility</p:attrName>
@@ -2402,11 +3755,11 @@
           <p:nvPr/>
         </p:nvPicPr>
         <p:blipFill>
-          <a:blip r:embed="rId2">
+          <a:blip r:embed="rId3">
             <a:extLst>
               <a:ext uri="{BEBA8EAE-BF5A-486C-A8C5-ECC9F3942E4B}">
                 <a14:imgProps xmlns:a14="http://schemas.microsoft.com/office/drawing/2010/main">
-                  <a14:imgLayer r:embed="rId3">
+                  <a14:imgLayer r:embed="rId4">
                     <a14:imgEffect>
                       <a14:sharpenSoften amount="8000"/>
                     </a14:imgEffect>
@@ -2447,11 +3800,11 @@
           <p:nvPr/>
         </p:nvPicPr>
         <p:blipFill>
-          <a:blip r:embed="rId4">
+          <a:blip r:embed="rId5">
             <a:extLst>
               <a:ext uri="{BEBA8EAE-BF5A-486C-A8C5-ECC9F3942E4B}">
                 <a14:imgProps xmlns:a14="http://schemas.microsoft.com/office/drawing/2010/main">
-                  <a14:imgLayer r:embed="rId5">
+                  <a14:imgLayer r:embed="rId6">
                     <a14:imgEffect>
                       <a14:sharpenSoften amount="21000"/>
                     </a14:imgEffect>
@@ -2492,13 +3845,13 @@
           <p:nvPr/>
         </p:nvPicPr>
         <p:blipFill>
-          <a:blip r:embed="rId6">
+          <a:blip r:embed="rId7">
             <a:extLst>
               <a:ext uri="{28A0092B-C50C-407E-A947-70E740481C1C}">
                 <a14:useLocalDpi xmlns:a14="http://schemas.microsoft.com/office/drawing/2010/main" val="0"/>
               </a:ext>
               <a:ext uri="{96DAC541-7B7A-43D3-8B79-37D633B846F1}">
-                <asvg:svgBlip xmlns:asvg="http://schemas.microsoft.com/office/drawing/2016/SVG/main" r:embed="rId7"/>
+                <asvg:svgBlip xmlns:asvg="http://schemas.microsoft.com/office/drawing/2016/SVG/main" r:embed="rId8"/>
               </a:ext>
             </a:extLst>
           </a:blip>
@@ -2531,13 +3884,13 @@
           <p:nvPr/>
         </p:nvPicPr>
         <p:blipFill>
-          <a:blip r:embed="rId6">
+          <a:blip r:embed="rId7">
             <a:extLst>
               <a:ext uri="{28A0092B-C50C-407E-A947-70E740481C1C}">
                 <a14:useLocalDpi xmlns:a14="http://schemas.microsoft.com/office/drawing/2010/main" val="0"/>
               </a:ext>
               <a:ext uri="{96DAC541-7B7A-43D3-8B79-37D633B846F1}">
-                <asvg:svgBlip xmlns:asvg="http://schemas.microsoft.com/office/drawing/2016/SVG/main" r:embed="rId7"/>
+                <asvg:svgBlip xmlns:asvg="http://schemas.microsoft.com/office/drawing/2016/SVG/main" r:embed="rId8"/>
               </a:ext>
             </a:extLst>
           </a:blip>
@@ -2625,13 +3978,13 @@
           <p:nvPr/>
         </p:nvPicPr>
         <p:blipFill>
-          <a:blip r:embed="rId8">
+          <a:blip r:embed="rId9">
             <a:extLst>
               <a:ext uri="{28A0092B-C50C-407E-A947-70E740481C1C}">
                 <a14:useLocalDpi xmlns:a14="http://schemas.microsoft.com/office/drawing/2010/main" val="0"/>
               </a:ext>
               <a:ext uri="{96DAC541-7B7A-43D3-8B79-37D633B846F1}">
-                <asvg:svgBlip xmlns:asvg="http://schemas.microsoft.com/office/drawing/2016/SVG/main" r:embed="rId9"/>
+                <asvg:svgBlip xmlns:asvg="http://schemas.microsoft.com/office/drawing/2016/SVG/main" r:embed="rId10"/>
               </a:ext>
             </a:extLst>
           </a:blip>
@@ -2664,13 +4017,13 @@
           <p:nvPr/>
         </p:nvPicPr>
         <p:blipFill>
-          <a:blip r:embed="rId8">
+          <a:blip r:embed="rId9">
             <a:extLst>
               <a:ext uri="{28A0092B-C50C-407E-A947-70E740481C1C}">
                 <a14:useLocalDpi xmlns:a14="http://schemas.microsoft.com/office/drawing/2010/main" val="0"/>
               </a:ext>
               <a:ext uri="{96DAC541-7B7A-43D3-8B79-37D633B846F1}">
-                <asvg:svgBlip xmlns:asvg="http://schemas.microsoft.com/office/drawing/2016/SVG/main" r:embed="rId9"/>
+                <asvg:svgBlip xmlns:asvg="http://schemas.microsoft.com/office/drawing/2016/SVG/main" r:embed="rId10"/>
               </a:ext>
             </a:extLst>
           </a:blip>
@@ -2703,13 +4056,13 @@
           <p:nvPr/>
         </p:nvPicPr>
         <p:blipFill>
-          <a:blip r:embed="rId6">
+          <a:blip r:embed="rId7">
             <a:extLst>
               <a:ext uri="{28A0092B-C50C-407E-A947-70E740481C1C}">
                 <a14:useLocalDpi xmlns:a14="http://schemas.microsoft.com/office/drawing/2010/main" val="0"/>
               </a:ext>
               <a:ext uri="{96DAC541-7B7A-43D3-8B79-37D633B846F1}">
-                <asvg:svgBlip xmlns:asvg="http://schemas.microsoft.com/office/drawing/2016/SVG/main" r:embed="rId7"/>
+                <asvg:svgBlip xmlns:asvg="http://schemas.microsoft.com/office/drawing/2016/SVG/main" r:embed="rId8"/>
               </a:ext>
             </a:extLst>
           </a:blip>
@@ -2930,13 +4283,13 @@
           <p:nvPr/>
         </p:nvPicPr>
         <p:blipFill>
-          <a:blip r:embed="rId10">
+          <a:blip r:embed="rId11">
             <a:extLst>
               <a:ext uri="{28A0092B-C50C-407E-A947-70E740481C1C}">
                 <a14:useLocalDpi xmlns:a14="http://schemas.microsoft.com/office/drawing/2010/main" val="0"/>
               </a:ext>
               <a:ext uri="{96DAC541-7B7A-43D3-8B79-37D633B846F1}">
-                <asvg:svgBlip xmlns:asvg="http://schemas.microsoft.com/office/drawing/2016/SVG/main" r:embed="rId11"/>
+                <asvg:svgBlip xmlns:asvg="http://schemas.microsoft.com/office/drawing/2016/SVG/main" r:embed="rId12"/>
               </a:ext>
             </a:extLst>
           </a:blip>
@@ -4156,11 +5509,11 @@
           <p:nvPr/>
         </p:nvPicPr>
         <p:blipFill>
-          <a:blip r:embed="rId2">
+          <a:blip r:embed="rId3">
             <a:extLst>
               <a:ext uri="{BEBA8EAE-BF5A-486C-A8C5-ECC9F3942E4B}">
                 <a14:imgProps xmlns:a14="http://schemas.microsoft.com/office/drawing/2010/main">
-                  <a14:imgLayer r:embed="rId3">
+                  <a14:imgLayer r:embed="rId4">
                     <a14:imgEffect>
                       <a14:sharpenSoften amount="8000"/>
                     </a14:imgEffect>
@@ -4201,7 +5554,7 @@
           <p:nvPr/>
         </p:nvPicPr>
         <p:blipFill>
-          <a:blip r:embed="rId4">
+          <a:blip r:embed="rId5">
             <a:extLst>
               <a:ext uri="{28A0092B-C50C-407E-A947-70E740481C1C}">
                 <a14:useLocalDpi xmlns:a14="http://schemas.microsoft.com/office/drawing/2010/main" val="0"/>
@@ -4614,11 +5967,11 @@
           <p:nvPr/>
         </p:nvPicPr>
         <p:blipFill>
-          <a:blip r:embed="rId2">
+          <a:blip r:embed="rId3">
             <a:extLst>
               <a:ext uri="{BEBA8EAE-BF5A-486C-A8C5-ECC9F3942E4B}">
                 <a14:imgProps xmlns:a14="http://schemas.microsoft.com/office/drawing/2010/main">
-                  <a14:imgLayer r:embed="rId3">
+                  <a14:imgLayer r:embed="rId4">
                     <a14:imgEffect>
                       <a14:sharpenSoften amount="11000"/>
                     </a14:imgEffect>
@@ -4668,8 +6021,8 @@
         </p:nvSpPr>
         <p:spPr>
           <a:xfrm>
-            <a:off x="3616160" y="590550"/>
-            <a:ext cx="1911677" cy="369332"/>
+            <a:off x="3416111" y="513660"/>
+            <a:ext cx="2426370" cy="646331"/>
           </a:xfrm>
           <a:prstGeom prst="rect">
             <a:avLst/>
@@ -4684,7 +6037,7 @@
           <a:p>
             <a:pPr algn="ctr"/>
             <a:r>
-              <a:rPr lang="en-US" b="1" dirty="0">
+              <a:rPr lang="en-US" sz="2400" b="1" dirty="0">
                 <a:solidFill>
                   <a:srgbClr val="077DA6"/>
                 </a:solidFill>
@@ -4692,7 +6045,23 @@
               </a:rPr>
               <a:t>Models Strengths</a:t>
             </a:r>
-            <a:endParaRPr lang="en-US" dirty="0"/>
+          </a:p>
+          <a:p>
+            <a:pPr algn="ctr"/>
+            <a:r>
+              <a:rPr lang="en-US" sz="1200" b="1" dirty="0">
+                <a:solidFill>
+                  <a:srgbClr val="5A9088"/>
+                </a:solidFill>
+                <a:latin typeface="Nexa Regular" pitchFamily="50" charset="0"/>
+              </a:rPr>
+              <a:t>Linear Regression Model</a:t>
+            </a:r>
+            <a:endParaRPr lang="en-US" sz="1600" dirty="0">
+              <a:solidFill>
+                <a:srgbClr val="5A9088"/>
+              </a:solidFill>
+            </a:endParaRPr>
           </a:p>
         </p:txBody>
       </p:sp>
@@ -5267,6 +6636,277 @@
       <p:bldP spid="6" grpId="0"/>
       <p:bldP spid="8" grpId="0"/>
     </p:bldLst>
+  </p:timing>
+</p:sld>
+</file>
+
+<file path=ppt/slides/slide8.xml><?xml version="1.0" encoding="utf-8"?>
+<p:sld xmlns:a="http://schemas.openxmlformats.org/drawingml/2006/main" xmlns:r="http://schemas.openxmlformats.org/officeDocument/2006/relationships" xmlns:p="http://schemas.openxmlformats.org/presentationml/2006/main">
+  <p:cSld>
+    <p:spTree>
+      <p:nvGrpSpPr>
+        <p:cNvPr id="1" name=""/>
+        <p:cNvGrpSpPr/>
+        <p:nvPr/>
+      </p:nvGrpSpPr>
+      <p:grpSpPr>
+        <a:xfrm>
+          <a:off x="0" y="0"/>
+          <a:ext cx="0" cy="0"/>
+          <a:chOff x="0" y="0"/>
+          <a:chExt cx="0" cy="0"/>
+        </a:xfrm>
+      </p:grpSpPr>
+      <p:sp>
+        <p:nvSpPr>
+          <p:cNvPr id="4" name="TextBox 3">
+            <a:extLst>
+              <a:ext uri="{FF2B5EF4-FFF2-40B4-BE49-F238E27FC236}">
+                <a16:creationId xmlns:a16="http://schemas.microsoft.com/office/drawing/2014/main" id="{42FFD992-89FE-8972-7F96-9FF17E75924C}"/>
+              </a:ext>
+            </a:extLst>
+          </p:cNvPr>
+          <p:cNvSpPr txBox="1"/>
+          <p:nvPr/>
+        </p:nvSpPr>
+        <p:spPr>
+          <a:xfrm>
+            <a:off x="2286000" y="590550"/>
+            <a:ext cx="4572000" cy="369332"/>
+          </a:xfrm>
+          <a:prstGeom prst="rect">
+            <a:avLst/>
+          </a:prstGeom>
+          <a:noFill/>
+        </p:spPr>
+        <p:txBody>
+          <a:bodyPr wrap="square">
+            <a:spAutoFit/>
+          </a:bodyPr>
+          <a:lstStyle/>
+          <a:p>
+            <a:pPr algn="ctr"/>
+            <a:r>
+              <a:rPr lang="en-US" sz="1800" b="1" dirty="0">
+                <a:solidFill>
+                  <a:srgbClr val="3C4A59"/>
+                </a:solidFill>
+                <a:latin typeface="Nexa Regular" pitchFamily="50" charset="0"/>
+              </a:rPr>
+              <a:t>Double Gold Medal Winner </a:t>
+            </a:r>
+          </a:p>
+        </p:txBody>
+      </p:sp>
+      <p:sp>
+        <p:nvSpPr>
+          <p:cNvPr id="5" name="TextBox 4">
+            <a:extLst>
+              <a:ext uri="{FF2B5EF4-FFF2-40B4-BE49-F238E27FC236}">
+                <a16:creationId xmlns:a16="http://schemas.microsoft.com/office/drawing/2014/main" id="{A52E801E-FC70-4ACF-47C2-DACE2BBD893C}"/>
+              </a:ext>
+            </a:extLst>
+          </p:cNvPr>
+          <p:cNvSpPr txBox="1"/>
+          <p:nvPr/>
+        </p:nvSpPr>
+        <p:spPr>
+          <a:xfrm>
+            <a:off x="533400" y="1574800"/>
+            <a:ext cx="8382000" cy="646331"/>
+          </a:xfrm>
+          <a:prstGeom prst="rect">
+            <a:avLst/>
+          </a:prstGeom>
+          <a:noFill/>
+        </p:spPr>
+        <p:txBody>
+          <a:bodyPr wrap="square" rtlCol="0">
+            <a:spAutoFit/>
+          </a:bodyPr>
+          <a:lstStyle/>
+          <a:p>
+            <a:r>
+              <a:rPr lang="en-US" dirty="0"/>
+              <a:t>In 2002 this bottle of wine won the prestigious double gold medal beating out 2,300 wines. This wine was part of the 28</a:t>
+            </a:r>
+            <a:r>
+              <a:rPr lang="en-US" baseline="30000" dirty="0"/>
+              <a:t>th</a:t>
+            </a:r>
+            <a:r>
+              <a:rPr lang="en-US" dirty="0"/>
+              <a:t> Annual International Eastern Wine Competition.</a:t>
+            </a:r>
+          </a:p>
+        </p:txBody>
+      </p:sp>
+      <p:pic>
+        <p:nvPicPr>
+          <p:cNvPr id="7" name="Picture 6" descr="A person standing in front of a display of wine bottles&#10;&#10;Description automatically generated with low confidence">
+            <a:extLst>
+              <a:ext uri="{FF2B5EF4-FFF2-40B4-BE49-F238E27FC236}">
+                <a16:creationId xmlns:a16="http://schemas.microsoft.com/office/drawing/2014/main" id="{1909606A-F301-A377-652E-F8374B435FCB}"/>
+              </a:ext>
+            </a:extLst>
+          </p:cNvPr>
+          <p:cNvPicPr>
+            <a:picLocks noChangeAspect="1"/>
+          </p:cNvPicPr>
+          <p:nvPr/>
+        </p:nvPicPr>
+        <p:blipFill>
+          <a:blip r:embed="rId3">
+            <a:extLst>
+              <a:ext uri="{28A0092B-C50C-407E-A947-70E740481C1C}">
+                <a14:useLocalDpi xmlns:a14="http://schemas.microsoft.com/office/drawing/2010/main" val="0"/>
+              </a:ext>
+            </a:extLst>
+          </a:blip>
+          <a:stretch>
+            <a:fillRect/>
+          </a:stretch>
+        </p:blipFill>
+        <p:spPr>
+          <a:xfrm>
+            <a:off x="2667000" y="2343150"/>
+            <a:ext cx="3810000" cy="2095500"/>
+          </a:xfrm>
+          <a:prstGeom prst="rect">
+            <a:avLst/>
+          </a:prstGeom>
+        </p:spPr>
+      </p:pic>
+    </p:spTree>
+    <p:extLst>
+      <p:ext uri="{BB962C8B-B14F-4D97-AF65-F5344CB8AC3E}">
+        <p14:creationId xmlns:p14="http://schemas.microsoft.com/office/powerpoint/2010/main" val="3014043736"/>
+      </p:ext>
+    </p:extLst>
+  </p:cSld>
+  <p:clrMapOvr>
+    <a:masterClrMapping/>
+  </p:clrMapOvr>
+  <p:timing>
+    <p:tnLst>
+      <p:par>
+        <p:cTn id="1" dur="indefinite" restart="never" nodeType="tmRoot">
+          <p:childTnLst>
+            <p:seq concurrent="1" nextAc="seek">
+              <p:cTn id="2" dur="indefinite" nodeType="mainSeq">
+                <p:childTnLst>
+                  <p:par>
+                    <p:cTn id="3" fill="hold">
+                      <p:stCondLst>
+                        <p:cond delay="indefinite"/>
+                      </p:stCondLst>
+                      <p:childTnLst>
+                        <p:par>
+                          <p:cTn id="4" fill="hold">
+                            <p:stCondLst>
+                              <p:cond delay="0"/>
+                            </p:stCondLst>
+                            <p:childTnLst>
+                              <p:par>
+                                <p:cTn id="5" presetID="19" presetClass="entr" presetSubtype="10" fill="hold" nodeType="clickEffect">
+                                  <p:stCondLst>
+                                    <p:cond delay="0"/>
+                                  </p:stCondLst>
+                                  <p:childTnLst>
+                                    <p:set>
+                                      <p:cBhvr>
+                                        <p:cTn id="6" dur="1" fill="hold">
+                                          <p:stCondLst>
+                                            <p:cond delay="0"/>
+                                          </p:stCondLst>
+                                        </p:cTn>
+                                        <p:tgtEl>
+                                          <p:spTgt spid="7"/>
+                                        </p:tgtEl>
+                                        <p:attrNameLst>
+                                          <p:attrName>style.visibility</p:attrName>
+                                        </p:attrNameLst>
+                                      </p:cBhvr>
+                                      <p:to>
+                                        <p:strVal val="visible"/>
+                                      </p:to>
+                                    </p:set>
+                                    <p:anim calcmode="lin" valueType="num">
+                                      <p:cBhvr>
+                                        <p:cTn id="7" dur="2000" fill="hold"/>
+                                        <p:tgtEl>
+                                          <p:spTgt spid="7"/>
+                                        </p:tgtEl>
+                                        <p:attrNameLst>
+                                          <p:attrName>ppt_w</p:attrName>
+                                        </p:attrNameLst>
+                                      </p:cBhvr>
+                                      <p:tavLst>
+                                        <p:tav tm="0" fmla="#ppt_w*sin(2.5*pi*$)">
+                                          <p:val>
+                                            <p:fltVal val="0"/>
+                                          </p:val>
+                                        </p:tav>
+                                        <p:tav tm="100000">
+                                          <p:val>
+                                            <p:fltVal val="1"/>
+                                          </p:val>
+                                        </p:tav>
+                                      </p:tavLst>
+                                    </p:anim>
+                                    <p:anim calcmode="lin" valueType="num">
+                                      <p:cBhvr>
+                                        <p:cTn id="8" dur="2000" fill="hold"/>
+                                        <p:tgtEl>
+                                          <p:spTgt spid="7"/>
+                                        </p:tgtEl>
+                                        <p:attrNameLst>
+                                          <p:attrName>ppt_h</p:attrName>
+                                        </p:attrNameLst>
+                                      </p:cBhvr>
+                                      <p:tavLst>
+                                        <p:tav tm="0">
+                                          <p:val>
+                                            <p:strVal val="#ppt_h"/>
+                                          </p:val>
+                                        </p:tav>
+                                        <p:tav tm="100000">
+                                          <p:val>
+                                            <p:strVal val="#ppt_h"/>
+                                          </p:val>
+                                        </p:tav>
+                                      </p:tavLst>
+                                    </p:anim>
+                                  </p:childTnLst>
+                                </p:cTn>
+                              </p:par>
+                            </p:childTnLst>
+                          </p:cTn>
+                        </p:par>
+                      </p:childTnLst>
+                    </p:cTn>
+                  </p:par>
+                </p:childTnLst>
+              </p:cTn>
+              <p:prevCondLst>
+                <p:cond evt="onPrev" delay="0">
+                  <p:tgtEl>
+                    <p:sldTgt/>
+                  </p:tgtEl>
+                </p:cond>
+              </p:prevCondLst>
+              <p:nextCondLst>
+                <p:cond evt="onNext" delay="0">
+                  <p:tgtEl>
+                    <p:sldTgt/>
+                  </p:tgtEl>
+                </p:cond>
+              </p:nextCondLst>
+            </p:seq>
+          </p:childTnLst>
+        </p:cTn>
+      </p:par>
+    </p:tnLst>
   </p:timing>
 </p:sld>
 </file>
@@ -5552,4 +7192,299 @@
   <a:objectDefaults/>
   <a:extraClrSchemeLst/>
 </a:theme>
+</file>
+
+<file path=ppt/theme/theme2.xml><?xml version="1.0" encoding="utf-8"?>
+<a:theme xmlns:a="http://schemas.openxmlformats.org/drawingml/2006/main" name="Office Theme">
+  <a:themeElements>
+    <a:clrScheme name="Office">
+      <a:dk1>
+        <a:sysClr val="windowText" lastClr="000000"/>
+      </a:dk1>
+      <a:lt1>
+        <a:sysClr val="window" lastClr="FFFFFF"/>
+      </a:lt1>
+      <a:dk2>
+        <a:srgbClr val="44546A"/>
+      </a:dk2>
+      <a:lt2>
+        <a:srgbClr val="E7E6E6"/>
+      </a:lt2>
+      <a:accent1>
+        <a:srgbClr val="4472C4"/>
+      </a:accent1>
+      <a:accent2>
+        <a:srgbClr val="ED7D31"/>
+      </a:accent2>
+      <a:accent3>
+        <a:srgbClr val="A5A5A5"/>
+      </a:accent3>
+      <a:accent4>
+        <a:srgbClr val="FFC000"/>
+      </a:accent4>
+      <a:accent5>
+        <a:srgbClr val="5B9BD5"/>
+      </a:accent5>
+      <a:accent6>
+        <a:srgbClr val="70AD47"/>
+      </a:accent6>
+      <a:hlink>
+        <a:srgbClr val="0563C1"/>
+      </a:hlink>
+      <a:folHlink>
+        <a:srgbClr val="954F72"/>
+      </a:folHlink>
+    </a:clrScheme>
+    <a:fontScheme name="Office">
+      <a:majorFont>
+        <a:latin typeface="Calibri Light" panose="020F0302020204030204"/>
+        <a:ea typeface=""/>
+        <a:cs typeface=""/>
+        <a:font script="Jpan" typeface="游ゴシック Light"/>
+        <a:font script="Hang" typeface="맑은 고딕"/>
+        <a:font script="Hans" typeface="等线 Light"/>
+        <a:font script="Hant" typeface="新細明體"/>
+        <a:font script="Arab" typeface="Times New Roman"/>
+        <a:font script="Hebr" typeface="Times New Roman"/>
+        <a:font script="Thai" typeface="Angsana New"/>
+        <a:font script="Ethi" typeface="Nyala"/>
+        <a:font script="Beng" typeface="Vrinda"/>
+        <a:font script="Gujr" typeface="Shruti"/>
+        <a:font script="Khmr" typeface="MoolBoran"/>
+        <a:font script="Knda" typeface="Tunga"/>
+        <a:font script="Guru" typeface="Raavi"/>
+        <a:font script="Cans" typeface="Euphemia"/>
+        <a:font script="Cher" typeface="Plantagenet Cherokee"/>
+        <a:font script="Yiii" typeface="Microsoft Yi Baiti"/>
+        <a:font script="Tibt" typeface="Microsoft Himalaya"/>
+        <a:font script="Thaa" typeface="MV Boli"/>
+        <a:font script="Deva" typeface="Mangal"/>
+        <a:font script="Telu" typeface="Gautami"/>
+        <a:font script="Taml" typeface="Latha"/>
+        <a:font script="Syrc" typeface="Estrangelo Edessa"/>
+        <a:font script="Orya" typeface="Kalinga"/>
+        <a:font script="Mlym" typeface="Kartika"/>
+        <a:font script="Laoo" typeface="DokChampa"/>
+        <a:font script="Sinh" typeface="Iskoola Pota"/>
+        <a:font script="Mong" typeface="Mongolian Baiti"/>
+        <a:font script="Viet" typeface="Times New Roman"/>
+        <a:font script="Uigh" typeface="Microsoft Uighur"/>
+        <a:font script="Geor" typeface="Sylfaen"/>
+        <a:font script="Armn" typeface="Arial"/>
+        <a:font script="Bugi" typeface="Leelawadee UI"/>
+        <a:font script="Bopo" typeface="Microsoft JhengHei"/>
+        <a:font script="Java" typeface="Javanese Text"/>
+        <a:font script="Lisu" typeface="Segoe UI"/>
+        <a:font script="Mymr" typeface="Myanmar Text"/>
+        <a:font script="Nkoo" typeface="Ebrima"/>
+        <a:font script="Olck" typeface="Nirmala UI"/>
+        <a:font script="Osma" typeface="Ebrima"/>
+        <a:font script="Phag" typeface="Phagspa"/>
+        <a:font script="Syrn" typeface="Estrangelo Edessa"/>
+        <a:font script="Syrj" typeface="Estrangelo Edessa"/>
+        <a:font script="Syre" typeface="Estrangelo Edessa"/>
+        <a:font script="Sora" typeface="Nirmala UI"/>
+        <a:font script="Tale" typeface="Microsoft Tai Le"/>
+        <a:font script="Talu" typeface="Microsoft New Tai Lue"/>
+        <a:font script="Tfng" typeface="Ebrima"/>
+      </a:majorFont>
+      <a:minorFont>
+        <a:latin typeface="Calibri" panose="020F0502020204030204"/>
+        <a:ea typeface=""/>
+        <a:cs typeface=""/>
+        <a:font script="Jpan" typeface="游ゴシック"/>
+        <a:font script="Hang" typeface="맑은 고딕"/>
+        <a:font script="Hans" typeface="等线"/>
+        <a:font script="Hant" typeface="新細明體"/>
+        <a:font script="Arab" typeface="Arial"/>
+        <a:font script="Hebr" typeface="Arial"/>
+        <a:font script="Thai" typeface="Cordia New"/>
+        <a:font script="Ethi" typeface="Nyala"/>
+        <a:font script="Beng" typeface="Vrinda"/>
+        <a:font script="Gujr" typeface="Shruti"/>
+        <a:font script="Khmr" typeface="DaunPenh"/>
+        <a:font script="Knda" typeface="Tunga"/>
+        <a:font script="Guru" typeface="Raavi"/>
+        <a:font script="Cans" typeface="Euphemia"/>
+        <a:font script="Cher" typeface="Plantagenet Cherokee"/>
+        <a:font script="Yiii" typeface="Microsoft Yi Baiti"/>
+        <a:font script="Tibt" typeface="Microsoft Himalaya"/>
+        <a:font script="Thaa" typeface="MV Boli"/>
+        <a:font script="Deva" typeface="Mangal"/>
+        <a:font script="Telu" typeface="Gautami"/>
+        <a:font script="Taml" typeface="Latha"/>
+        <a:font script="Syrc" typeface="Estrangelo Edessa"/>
+        <a:font script="Orya" typeface="Kalinga"/>
+        <a:font script="Mlym" typeface="Kartika"/>
+        <a:font script="Laoo" typeface="DokChampa"/>
+        <a:font script="Sinh" typeface="Iskoola Pota"/>
+        <a:font script="Mong" typeface="Mongolian Baiti"/>
+        <a:font script="Viet" typeface="Arial"/>
+        <a:font script="Uigh" typeface="Microsoft Uighur"/>
+        <a:font script="Geor" typeface="Sylfaen"/>
+        <a:font script="Armn" typeface="Arial"/>
+        <a:font script="Bugi" typeface="Leelawadee UI"/>
+        <a:font script="Bopo" typeface="Microsoft JhengHei"/>
+        <a:font script="Java" typeface="Javanese Text"/>
+        <a:font script="Lisu" typeface="Segoe UI"/>
+        <a:font script="Mymr" typeface="Myanmar Text"/>
+        <a:font script="Nkoo" typeface="Ebrima"/>
+        <a:font script="Olck" typeface="Nirmala UI"/>
+        <a:font script="Osma" typeface="Ebrima"/>
+        <a:font script="Phag" typeface="Phagspa"/>
+        <a:font script="Syrn" typeface="Estrangelo Edessa"/>
+        <a:font script="Syrj" typeface="Estrangelo Edessa"/>
+        <a:font script="Syre" typeface="Estrangelo Edessa"/>
+        <a:font script="Sora" typeface="Nirmala UI"/>
+        <a:font script="Tale" typeface="Microsoft Tai Le"/>
+        <a:font script="Talu" typeface="Microsoft New Tai Lue"/>
+        <a:font script="Tfng" typeface="Ebrima"/>
+      </a:minorFont>
+    </a:fontScheme>
+    <a:fmtScheme name="Office">
+      <a:fillStyleLst>
+        <a:solidFill>
+          <a:schemeClr val="phClr"/>
+        </a:solidFill>
+        <a:gradFill rotWithShape="1">
+          <a:gsLst>
+            <a:gs pos="0">
+              <a:schemeClr val="phClr">
+                <a:lumMod val="110000"/>
+                <a:satMod val="105000"/>
+                <a:tint val="67000"/>
+              </a:schemeClr>
+            </a:gs>
+            <a:gs pos="50000">
+              <a:schemeClr val="phClr">
+                <a:lumMod val="105000"/>
+                <a:satMod val="103000"/>
+                <a:tint val="73000"/>
+              </a:schemeClr>
+            </a:gs>
+            <a:gs pos="100000">
+              <a:schemeClr val="phClr">
+                <a:lumMod val="105000"/>
+                <a:satMod val="109000"/>
+                <a:tint val="81000"/>
+              </a:schemeClr>
+            </a:gs>
+          </a:gsLst>
+          <a:lin ang="5400000" scaled="0"/>
+        </a:gradFill>
+        <a:gradFill rotWithShape="1">
+          <a:gsLst>
+            <a:gs pos="0">
+              <a:schemeClr val="phClr">
+                <a:satMod val="103000"/>
+                <a:lumMod val="102000"/>
+                <a:tint val="94000"/>
+              </a:schemeClr>
+            </a:gs>
+            <a:gs pos="50000">
+              <a:schemeClr val="phClr">
+                <a:satMod val="110000"/>
+                <a:lumMod val="100000"/>
+                <a:shade val="100000"/>
+              </a:schemeClr>
+            </a:gs>
+            <a:gs pos="100000">
+              <a:schemeClr val="phClr">
+                <a:lumMod val="99000"/>
+                <a:satMod val="120000"/>
+                <a:shade val="78000"/>
+              </a:schemeClr>
+            </a:gs>
+          </a:gsLst>
+          <a:lin ang="5400000" scaled="0"/>
+        </a:gradFill>
+      </a:fillStyleLst>
+      <a:lnStyleLst>
+        <a:ln w="6350" cap="flat" cmpd="sng" algn="ctr">
+          <a:solidFill>
+            <a:schemeClr val="phClr"/>
+          </a:solidFill>
+          <a:prstDash val="solid"/>
+          <a:miter lim="800000"/>
+        </a:ln>
+        <a:ln w="12700" cap="flat" cmpd="sng" algn="ctr">
+          <a:solidFill>
+            <a:schemeClr val="phClr"/>
+          </a:solidFill>
+          <a:prstDash val="solid"/>
+          <a:miter lim="800000"/>
+        </a:ln>
+        <a:ln w="19050" cap="flat" cmpd="sng" algn="ctr">
+          <a:solidFill>
+            <a:schemeClr val="phClr"/>
+          </a:solidFill>
+          <a:prstDash val="solid"/>
+          <a:miter lim="800000"/>
+        </a:ln>
+      </a:lnStyleLst>
+      <a:effectStyleLst>
+        <a:effectStyle>
+          <a:effectLst/>
+        </a:effectStyle>
+        <a:effectStyle>
+          <a:effectLst/>
+        </a:effectStyle>
+        <a:effectStyle>
+          <a:effectLst>
+            <a:outerShdw blurRad="57150" dist="19050" dir="5400000" algn="ctr" rotWithShape="0">
+              <a:srgbClr val="000000">
+                <a:alpha val="63000"/>
+              </a:srgbClr>
+            </a:outerShdw>
+          </a:effectLst>
+        </a:effectStyle>
+      </a:effectStyleLst>
+      <a:bgFillStyleLst>
+        <a:solidFill>
+          <a:schemeClr val="phClr"/>
+        </a:solidFill>
+        <a:solidFill>
+          <a:schemeClr val="phClr">
+            <a:tint val="95000"/>
+            <a:satMod val="170000"/>
+          </a:schemeClr>
+        </a:solidFill>
+        <a:gradFill rotWithShape="1">
+          <a:gsLst>
+            <a:gs pos="0">
+              <a:schemeClr val="phClr">
+                <a:tint val="93000"/>
+                <a:satMod val="150000"/>
+                <a:shade val="98000"/>
+                <a:lumMod val="102000"/>
+              </a:schemeClr>
+            </a:gs>
+            <a:gs pos="50000">
+              <a:schemeClr val="phClr">
+                <a:tint val="98000"/>
+                <a:satMod val="130000"/>
+                <a:shade val="90000"/>
+                <a:lumMod val="103000"/>
+              </a:schemeClr>
+            </a:gs>
+            <a:gs pos="100000">
+              <a:schemeClr val="phClr">
+                <a:shade val="63000"/>
+                <a:satMod val="120000"/>
+              </a:schemeClr>
+            </a:gs>
+          </a:gsLst>
+          <a:lin ang="5400000" scaled="0"/>
+        </a:gradFill>
+      </a:bgFillStyleLst>
+    </a:fmtScheme>
+  </a:themeElements>
+  <a:objectDefaults/>
+  <a:extraClrSchemeLst/>
+  <a:extLst>
+    <a:ext uri="{05A4C25C-085E-4340-85A3-A5531E510DB2}">
+      <thm15:themeFamily xmlns:thm15="http://schemas.microsoft.com/office/thememl/2012/main" name="Office Theme" id="{62F939B6-93AF-4DB8-9C6B-D6C7DFDC589F}" vid="{4A3C46E8-61CC-4603-A589-7422A47A8E4A}"/>
+    </a:ext>
+  </a:extLst>
+</a:theme>
 </file>